--- a/Kaggle_Innovation_Report.pptx
+++ b/Kaggle_Innovation_Report.pptx
@@ -4,6 +4,9 @@
   <p:sldMasterIdLst>
     <p:sldMasterId id="2147483648" r:id="rId1"/>
   </p:sldMasterIdLst>
+  <p:notesMasterIdLst>
+    <p:notesMasterId r:id="rId14"/>
+  </p:notesMasterIdLst>
   <p:sldIdLst>
     <p:sldId id="256" r:id="rId2"/>
     <p:sldId id="257" r:id="rId3"/>
@@ -137,6 +140,7 @@
 <file path=ppt/revisionInfo.xml><?xml version="1.0" encoding="utf-8"?>
 <p1510:revInfo xmlns:a="http://schemas.openxmlformats.org/drawingml/2006/main" xmlns:r="http://schemas.openxmlformats.org/officeDocument/2006/relationships" xmlns:p1510="http://schemas.microsoft.com/office/powerpoint/2015/10/main">
   <p1510:revLst>
+    <p1510:client id="{395CF8D3-C0FF-AA4D-87B1-A2DC2B60732A}" v="34" dt="2025-07-19T11:28:38.786"/>
     <p1510:client id="{AE4A3374-06A4-2749-9573-9764AA45E8E0}" v="69" dt="2025-07-18T13:39:18.268"/>
   </p1510:revLst>
 </p1510:revInfo>
@@ -1021,6 +1025,269 @@
       </pc:sldChg>
     </pc:docChg>
   </pc:docChgLst>
+  <pc:docChgLst>
+    <pc:chgData name="Michel Nzikou Mamboukou" userId="36649943-5328-4d03-a4bf-41e9372b7e8c" providerId="ADAL" clId="{395CF8D3-C0FF-AA4D-87B1-A2DC2B60732A}"/>
+    <pc:docChg chg="undo custSel modSld">
+      <pc:chgData name="Michel Nzikou Mamboukou" userId="36649943-5328-4d03-a4bf-41e9372b7e8c" providerId="ADAL" clId="{395CF8D3-C0FF-AA4D-87B1-A2DC2B60732A}" dt="2025-07-19T11:28:36.697" v="354" actId="478"/>
+      <pc:docMkLst>
+        <pc:docMk/>
+      </pc:docMkLst>
+      <pc:sldChg chg="modSp mod modNotesTx">
+        <pc:chgData name="Michel Nzikou Mamboukou" userId="36649943-5328-4d03-a4bf-41e9372b7e8c" providerId="ADAL" clId="{395CF8D3-C0FF-AA4D-87B1-A2DC2B60732A}" dt="2025-07-19T10:40:57.356" v="188" actId="20577"/>
+        <pc:sldMkLst>
+          <pc:docMk/>
+          <pc:sldMk cId="0" sldId="257"/>
+        </pc:sldMkLst>
+        <pc:spChg chg="mod">
+          <ac:chgData name="Michel Nzikou Mamboukou" userId="36649943-5328-4d03-a4bf-41e9372b7e8c" providerId="ADAL" clId="{395CF8D3-C0FF-AA4D-87B1-A2DC2B60732A}" dt="2025-07-19T10:40:40.451" v="187" actId="1076"/>
+          <ac:spMkLst>
+            <pc:docMk/>
+            <pc:sldMk cId="0" sldId="257"/>
+            <ac:spMk id="3" creationId="{00000000-0000-0000-0000-000000000000}"/>
+          </ac:spMkLst>
+        </pc:spChg>
+      </pc:sldChg>
+      <pc:sldChg chg="addSp delSp modSp mod">
+        <pc:chgData name="Michel Nzikou Mamboukou" userId="36649943-5328-4d03-a4bf-41e9372b7e8c" providerId="ADAL" clId="{395CF8D3-C0FF-AA4D-87B1-A2DC2B60732A}" dt="2025-07-19T11:14:33.088" v="245" actId="1036"/>
+        <pc:sldMkLst>
+          <pc:docMk/>
+          <pc:sldMk cId="0" sldId="258"/>
+        </pc:sldMkLst>
+        <pc:spChg chg="mod">
+          <ac:chgData name="Michel Nzikou Mamboukou" userId="36649943-5328-4d03-a4bf-41e9372b7e8c" providerId="ADAL" clId="{395CF8D3-C0FF-AA4D-87B1-A2DC2B60732A}" dt="2025-07-19T11:13:40.949" v="225" actId="1035"/>
+          <ac:spMkLst>
+            <pc:docMk/>
+            <pc:sldMk cId="0" sldId="258"/>
+            <ac:spMk id="2" creationId="{00000000-0000-0000-0000-000000000000}"/>
+          </ac:spMkLst>
+        </pc:spChg>
+        <pc:spChg chg="add del mod">
+          <ac:chgData name="Michel Nzikou Mamboukou" userId="36649943-5328-4d03-a4bf-41e9372b7e8c" providerId="ADAL" clId="{395CF8D3-C0FF-AA4D-87B1-A2DC2B60732A}" dt="2025-07-19T10:40:10.676" v="184" actId="478"/>
+          <ac:spMkLst>
+            <pc:docMk/>
+            <pc:sldMk cId="0" sldId="258"/>
+            <ac:spMk id="3" creationId="{00000000-0000-0000-0000-000000000000}"/>
+          </ac:spMkLst>
+        </pc:spChg>
+        <pc:spChg chg="add mod">
+          <ac:chgData name="Michel Nzikou Mamboukou" userId="36649943-5328-4d03-a4bf-41e9372b7e8c" providerId="ADAL" clId="{395CF8D3-C0FF-AA4D-87B1-A2DC2B60732A}" dt="2025-07-19T11:14:33.088" v="245" actId="1036"/>
+          <ac:spMkLst>
+            <pc:docMk/>
+            <pc:sldMk cId="0" sldId="258"/>
+            <ac:spMk id="5" creationId="{21ECA4F7-C520-D960-34ED-5009C4B283E7}"/>
+          </ac:spMkLst>
+        </pc:spChg>
+        <pc:spChg chg="add del mod">
+          <ac:chgData name="Michel Nzikou Mamboukou" userId="36649943-5328-4d03-a4bf-41e9372b7e8c" providerId="ADAL" clId="{395CF8D3-C0FF-AA4D-87B1-A2DC2B60732A}" dt="2025-07-19T10:37:55.191" v="90" actId="478"/>
+          <ac:spMkLst>
+            <pc:docMk/>
+            <pc:sldMk cId="0" sldId="258"/>
+            <ac:spMk id="7" creationId="{8EAFF6E2-CF84-FA54-C6CF-9EE164AC38E8}"/>
+          </ac:spMkLst>
+        </pc:spChg>
+        <pc:spChg chg="add del">
+          <ac:chgData name="Michel Nzikou Mamboukou" userId="36649943-5328-4d03-a4bf-41e9372b7e8c" providerId="ADAL" clId="{395CF8D3-C0FF-AA4D-87B1-A2DC2B60732A}" dt="2025-07-19T10:37:54.231" v="89" actId="22"/>
+          <ac:spMkLst>
+            <pc:docMk/>
+            <pc:sldMk cId="0" sldId="258"/>
+            <ac:spMk id="9" creationId="{A800E55A-2406-5B27-3C9A-F6D52A0AF2A6}"/>
+          </ac:spMkLst>
+        </pc:spChg>
+        <pc:spChg chg="add del mod">
+          <ac:chgData name="Michel Nzikou Mamboukou" userId="36649943-5328-4d03-a4bf-41e9372b7e8c" providerId="ADAL" clId="{395CF8D3-C0FF-AA4D-87B1-A2DC2B60732A}" dt="2025-07-19T10:40:15.095" v="185" actId="478"/>
+          <ac:spMkLst>
+            <pc:docMk/>
+            <pc:sldMk cId="0" sldId="258"/>
+            <ac:spMk id="11" creationId="{2F378E54-1774-EFDB-3B5E-56D306027D92}"/>
+          </ac:spMkLst>
+        </pc:spChg>
+        <pc:picChg chg="mod">
+          <ac:chgData name="Michel Nzikou Mamboukou" userId="36649943-5328-4d03-a4bf-41e9372b7e8c" providerId="ADAL" clId="{395CF8D3-C0FF-AA4D-87B1-A2DC2B60732A}" dt="2025-07-19T11:13:35.712" v="215" actId="1035"/>
+          <ac:picMkLst>
+            <pc:docMk/>
+            <pc:sldMk cId="0" sldId="258"/>
+            <ac:picMk id="1026" creationId="{A3C78F65-3C46-A040-C151-E3206012BD05}"/>
+          </ac:picMkLst>
+        </pc:picChg>
+      </pc:sldChg>
+      <pc:sldChg chg="addSp delSp modSp mod">
+        <pc:chgData name="Michel Nzikou Mamboukou" userId="36649943-5328-4d03-a4bf-41e9372b7e8c" providerId="ADAL" clId="{395CF8D3-C0FF-AA4D-87B1-A2DC2B60732A}" dt="2025-07-19T11:14:57.579" v="259" actId="1036"/>
+        <pc:sldMkLst>
+          <pc:docMk/>
+          <pc:sldMk cId="0" sldId="259"/>
+        </pc:sldMkLst>
+        <pc:spChg chg="mod">
+          <ac:chgData name="Michel Nzikou Mamboukou" userId="36649943-5328-4d03-a4bf-41e9372b7e8c" providerId="ADAL" clId="{395CF8D3-C0FF-AA4D-87B1-A2DC2B60732A}" dt="2025-07-19T11:14:57.579" v="259" actId="1036"/>
+          <ac:spMkLst>
+            <pc:docMk/>
+            <pc:sldMk cId="0" sldId="259"/>
+            <ac:spMk id="2" creationId="{00000000-0000-0000-0000-000000000000}"/>
+          </ac:spMkLst>
+        </pc:spChg>
+        <pc:spChg chg="del mod">
+          <ac:chgData name="Michel Nzikou Mamboukou" userId="36649943-5328-4d03-a4bf-41e9372b7e8c" providerId="ADAL" clId="{395CF8D3-C0FF-AA4D-87B1-A2DC2B60732A}" dt="2025-07-19T11:12:51.055" v="200" actId="478"/>
+          <ac:spMkLst>
+            <pc:docMk/>
+            <pc:sldMk cId="0" sldId="259"/>
+            <ac:spMk id="3" creationId="{00000000-0000-0000-0000-000000000000}"/>
+          </ac:spMkLst>
+        </pc:spChg>
+        <pc:spChg chg="add mod">
+          <ac:chgData name="Michel Nzikou Mamboukou" userId="36649943-5328-4d03-a4bf-41e9372b7e8c" providerId="ADAL" clId="{395CF8D3-C0FF-AA4D-87B1-A2DC2B60732A}" dt="2025-07-19T11:14:51.273" v="249" actId="1036"/>
+          <ac:spMkLst>
+            <pc:docMk/>
+            <pc:sldMk cId="0" sldId="259"/>
+            <ac:spMk id="5" creationId="{7B5E02B0-59BD-7E4C-50B4-C32B0B0E6D72}"/>
+          </ac:spMkLst>
+        </pc:spChg>
+        <pc:spChg chg="add del mod">
+          <ac:chgData name="Michel Nzikou Mamboukou" userId="36649943-5328-4d03-a4bf-41e9372b7e8c" providerId="ADAL" clId="{395CF8D3-C0FF-AA4D-87B1-A2DC2B60732A}" dt="2025-07-19T11:12:53.553" v="201" actId="478"/>
+          <ac:spMkLst>
+            <pc:docMk/>
+            <pc:sldMk cId="0" sldId="259"/>
+            <ac:spMk id="7" creationId="{D5412663-390D-D643-1165-9EA1F2F485E0}"/>
+          </ac:spMkLst>
+        </pc:spChg>
+      </pc:sldChg>
+      <pc:sldChg chg="addSp delSp modSp mod modNotesTx">
+        <pc:chgData name="Michel Nzikou Mamboukou" userId="36649943-5328-4d03-a4bf-41e9372b7e8c" providerId="ADAL" clId="{395CF8D3-C0FF-AA4D-87B1-A2DC2B60732A}" dt="2025-07-19T11:17:52.593" v="269"/>
+        <pc:sldMkLst>
+          <pc:docMk/>
+          <pc:sldMk cId="0" sldId="260"/>
+        </pc:sldMkLst>
+        <pc:spChg chg="add del mod">
+          <ac:chgData name="Michel Nzikou Mamboukou" userId="36649943-5328-4d03-a4bf-41e9372b7e8c" providerId="ADAL" clId="{395CF8D3-C0FF-AA4D-87B1-A2DC2B60732A}" dt="2025-07-19T11:17:52.593" v="269"/>
+          <ac:spMkLst>
+            <pc:docMk/>
+            <pc:sldMk cId="0" sldId="260"/>
+            <ac:spMk id="4" creationId="{490B4678-E99C-2058-FE65-239316BA6A9D}"/>
+          </ac:spMkLst>
+        </pc:spChg>
+      </pc:sldChg>
+      <pc:sldChg chg="addSp delSp modSp mod">
+        <pc:chgData name="Michel Nzikou Mamboukou" userId="36649943-5328-4d03-a4bf-41e9372b7e8c" providerId="ADAL" clId="{395CF8D3-C0FF-AA4D-87B1-A2DC2B60732A}" dt="2025-07-19T11:19:40.931" v="288" actId="27636"/>
+        <pc:sldMkLst>
+          <pc:docMk/>
+          <pc:sldMk cId="0" sldId="261"/>
+        </pc:sldMkLst>
+        <pc:spChg chg="mod">
+          <ac:chgData name="Michel Nzikou Mamboukou" userId="36649943-5328-4d03-a4bf-41e9372b7e8c" providerId="ADAL" clId="{395CF8D3-C0FF-AA4D-87B1-A2DC2B60732A}" dt="2025-07-19T11:19:40.931" v="288" actId="27636"/>
+          <ac:spMkLst>
+            <pc:docMk/>
+            <pc:sldMk cId="0" sldId="261"/>
+            <ac:spMk id="3" creationId="{00000000-0000-0000-0000-000000000000}"/>
+          </ac:spMkLst>
+        </pc:spChg>
+        <pc:spChg chg="add del mod">
+          <ac:chgData name="Michel Nzikou Mamboukou" userId="36649943-5328-4d03-a4bf-41e9372b7e8c" providerId="ADAL" clId="{395CF8D3-C0FF-AA4D-87B1-A2DC2B60732A}" dt="2025-07-19T11:19:30.640" v="285" actId="478"/>
+          <ac:spMkLst>
+            <pc:docMk/>
+            <pc:sldMk cId="0" sldId="261"/>
+            <ac:spMk id="5" creationId="{18FC333E-D4DC-3EE4-184C-A365156789BB}"/>
+          </ac:spMkLst>
+        </pc:spChg>
+      </pc:sldChg>
+      <pc:sldChg chg="addSp delSp modSp mod">
+        <pc:chgData name="Michel Nzikou Mamboukou" userId="36649943-5328-4d03-a4bf-41e9372b7e8c" providerId="ADAL" clId="{395CF8D3-C0FF-AA4D-87B1-A2DC2B60732A}" dt="2025-07-19T11:21:16.069" v="291" actId="478"/>
+        <pc:sldMkLst>
+          <pc:docMk/>
+          <pc:sldMk cId="0" sldId="262"/>
+        </pc:sldMkLst>
+        <pc:spChg chg="add del mod">
+          <ac:chgData name="Michel Nzikou Mamboukou" userId="36649943-5328-4d03-a4bf-41e9372b7e8c" providerId="ADAL" clId="{395CF8D3-C0FF-AA4D-87B1-A2DC2B60732A}" dt="2025-07-19T11:21:16.069" v="291" actId="478"/>
+          <ac:spMkLst>
+            <pc:docMk/>
+            <pc:sldMk cId="0" sldId="262"/>
+            <ac:spMk id="4" creationId="{7A969584-1021-C0AD-BEE3-69707A296AD4}"/>
+          </ac:spMkLst>
+        </pc:spChg>
+      </pc:sldChg>
+      <pc:sldChg chg="addSp delSp modSp mod">
+        <pc:chgData name="Michel Nzikou Mamboukou" userId="36649943-5328-4d03-a4bf-41e9372b7e8c" providerId="ADAL" clId="{395CF8D3-C0FF-AA4D-87B1-A2DC2B60732A}" dt="2025-07-19T11:23:11.139" v="315" actId="20577"/>
+        <pc:sldMkLst>
+          <pc:docMk/>
+          <pc:sldMk cId="0" sldId="263"/>
+        </pc:sldMkLst>
+        <pc:spChg chg="mod">
+          <ac:chgData name="Michel Nzikou Mamboukou" userId="36649943-5328-4d03-a4bf-41e9372b7e8c" providerId="ADAL" clId="{395CF8D3-C0FF-AA4D-87B1-A2DC2B60732A}" dt="2025-07-19T11:23:11.139" v="315" actId="20577"/>
+          <ac:spMkLst>
+            <pc:docMk/>
+            <pc:sldMk cId="0" sldId="263"/>
+            <ac:spMk id="3" creationId="{00000000-0000-0000-0000-000000000000}"/>
+          </ac:spMkLst>
+        </pc:spChg>
+        <pc:spChg chg="add del mod">
+          <ac:chgData name="Michel Nzikou Mamboukou" userId="36649943-5328-4d03-a4bf-41e9372b7e8c" providerId="ADAL" clId="{395CF8D3-C0FF-AA4D-87B1-A2DC2B60732A}" dt="2025-07-19T11:22:37.524" v="303" actId="478"/>
+          <ac:spMkLst>
+            <pc:docMk/>
+            <pc:sldMk cId="0" sldId="263"/>
+            <ac:spMk id="5" creationId="{4B39C8F2-BF98-BAEA-3E77-65E318468C2C}"/>
+          </ac:spMkLst>
+        </pc:spChg>
+      </pc:sldChg>
+      <pc:sldChg chg="addSp delSp modSp mod">
+        <pc:chgData name="Michel Nzikou Mamboukou" userId="36649943-5328-4d03-a4bf-41e9372b7e8c" providerId="ADAL" clId="{395CF8D3-C0FF-AA4D-87B1-A2DC2B60732A}" dt="2025-07-19T11:25:30.661" v="339" actId="478"/>
+        <pc:sldMkLst>
+          <pc:docMk/>
+          <pc:sldMk cId="0" sldId="264"/>
+        </pc:sldMkLst>
+        <pc:spChg chg="add del mod">
+          <ac:chgData name="Michel Nzikou Mamboukou" userId="36649943-5328-4d03-a4bf-41e9372b7e8c" providerId="ADAL" clId="{395CF8D3-C0FF-AA4D-87B1-A2DC2B60732A}" dt="2025-07-19T11:25:16.925" v="336" actId="21"/>
+          <ac:spMkLst>
+            <pc:docMk/>
+            <pc:sldMk cId="0" sldId="264"/>
+            <ac:spMk id="4" creationId="{F3A1DC2A-32FA-EB54-7C17-1CAB7287166C}"/>
+          </ac:spMkLst>
+        </pc:spChg>
+        <pc:spChg chg="add del mod">
+          <ac:chgData name="Michel Nzikou Mamboukou" userId="36649943-5328-4d03-a4bf-41e9372b7e8c" providerId="ADAL" clId="{395CF8D3-C0FF-AA4D-87B1-A2DC2B60732A}" dt="2025-07-19T11:25:30.661" v="339" actId="478"/>
+          <ac:spMkLst>
+            <pc:docMk/>
+            <pc:sldMk cId="0" sldId="264"/>
+            <ac:spMk id="6" creationId="{CAC78E99-BC0C-968D-3CCE-C9446DB3179B}"/>
+          </ac:spMkLst>
+        </pc:spChg>
+        <pc:graphicFrameChg chg="mod">
+          <ac:chgData name="Michel Nzikou Mamboukou" userId="36649943-5328-4d03-a4bf-41e9372b7e8c" providerId="ADAL" clId="{395CF8D3-C0FF-AA4D-87B1-A2DC2B60732A}" dt="2025-07-19T11:24:38.475" v="335" actId="20577"/>
+          <ac:graphicFrameMkLst>
+            <pc:docMk/>
+            <pc:sldMk cId="0" sldId="264"/>
+            <ac:graphicFrameMk id="5" creationId="{0BBBBD6F-CF78-19F7-54B9-1615668A8111}"/>
+          </ac:graphicFrameMkLst>
+        </pc:graphicFrameChg>
+      </pc:sldChg>
+      <pc:sldChg chg="addSp delSp modSp mod">
+        <pc:chgData name="Michel Nzikou Mamboukou" userId="36649943-5328-4d03-a4bf-41e9372b7e8c" providerId="ADAL" clId="{395CF8D3-C0FF-AA4D-87B1-A2DC2B60732A}" dt="2025-07-19T11:26:47.296" v="346" actId="478"/>
+        <pc:sldMkLst>
+          <pc:docMk/>
+          <pc:sldMk cId="0" sldId="265"/>
+        </pc:sldMkLst>
+        <pc:spChg chg="add del mod">
+          <ac:chgData name="Michel Nzikou Mamboukou" userId="36649943-5328-4d03-a4bf-41e9372b7e8c" providerId="ADAL" clId="{395CF8D3-C0FF-AA4D-87B1-A2DC2B60732A}" dt="2025-07-19T11:26:47.296" v="346" actId="478"/>
+          <ac:spMkLst>
+            <pc:docMk/>
+            <pc:sldMk cId="0" sldId="265"/>
+            <ac:spMk id="4" creationId="{00A2CDFA-D546-06B3-21E6-4316712CCD4A}"/>
+          </ac:spMkLst>
+        </pc:spChg>
+      </pc:sldChg>
+      <pc:sldChg chg="addSp delSp modSp mod">
+        <pc:chgData name="Michel Nzikou Mamboukou" userId="36649943-5328-4d03-a4bf-41e9372b7e8c" providerId="ADAL" clId="{395CF8D3-C0FF-AA4D-87B1-A2DC2B60732A}" dt="2025-07-19T11:28:36.697" v="354" actId="478"/>
+        <pc:sldMkLst>
+          <pc:docMk/>
+          <pc:sldMk cId="0" sldId="266"/>
+        </pc:sldMkLst>
+        <pc:spChg chg="add del mod">
+          <ac:chgData name="Michel Nzikou Mamboukou" userId="36649943-5328-4d03-a4bf-41e9372b7e8c" providerId="ADAL" clId="{395CF8D3-C0FF-AA4D-87B1-A2DC2B60732A}" dt="2025-07-19T11:28:36.697" v="354" actId="478"/>
+          <ac:spMkLst>
+            <pc:docMk/>
+            <pc:sldMk cId="0" sldId="266"/>
+            <ac:spMk id="4" creationId="{0D7ACB53-3DE6-A0A5-E55E-1F87A35F8ECC}"/>
+          </ac:spMkLst>
+        </pc:spChg>
+      </pc:sldChg>
+    </pc:docChg>
+  </pc:docChgLst>
 </pc:chgInfo>
 </file>
 
@@ -6442,7 +6709,7 @@
   <dgm:whole/>
   <dgm:extLst>
     <a:ext uri="http://schemas.microsoft.com/office/drawing/2008/diagram">
-      <dsp:dataModelExt xmlns:dsp="http://schemas.microsoft.com/office/drawing/2008/diagram" relId="rId8" minVer="http://schemas.openxmlformats.org/drawingml/2006/diagram"/>
+      <dsp:dataModelExt xmlns:dsp="http://schemas.microsoft.com/office/drawing/2008/diagram" relId="rId9" minVer="http://schemas.openxmlformats.org/drawingml/2006/diagram"/>
     </a:ext>
   </dgm:extLst>
 </dgm:dataModel>
@@ -6512,7 +6779,7 @@
             <a:defRPr cap="all"/>
           </a:pPr>
           <a:r>
-            <a:rPr lang="en-US"/>
+            <a:rPr lang="en-US" dirty="0"/>
             <a:t>Community shows interest in tabular, healthcare, geospatial data.</a:t>
           </a:r>
         </a:p>
@@ -6805,8 +7072,8 @@
             <a:defRPr cap="all"/>
           </a:pPr>
           <a:r>
-            <a:rPr lang="en-US"/>
-            <a:t>Growth may plateau without new verticals.</a:t>
+            <a:rPr lang="en-US" dirty="0"/>
+            <a:t>Growth may plateau without new verticals and FORMATS</a:t>
           </a:r>
         </a:p>
       </dgm:t>
@@ -7206,7 +7473,7 @@
   <dgm:whole/>
   <dgm:extLst>
     <a:ext uri="http://schemas.microsoft.com/office/drawing/2008/diagram">
-      <dsp:dataModelExt xmlns:dsp="http://schemas.microsoft.com/office/drawing/2008/diagram" relId="rId6" minVer="http://schemas.openxmlformats.org/drawingml/2006/diagram"/>
+      <dsp:dataModelExt xmlns:dsp="http://schemas.microsoft.com/office/drawing/2008/diagram" relId="rId7" minVer="http://schemas.openxmlformats.org/drawingml/2006/diagram"/>
     </a:ext>
   </dgm:extLst>
 </dgm:dataModel>
@@ -7723,7 +7990,7 @@
   <dgm:whole/>
   <dgm:extLst>
     <a:ext uri="http://schemas.microsoft.com/office/drawing/2008/diagram">
-      <dsp:dataModelExt xmlns:dsp="http://schemas.microsoft.com/office/drawing/2008/diagram" relId="rId6" minVer="http://schemas.openxmlformats.org/drawingml/2006/diagram"/>
+      <dsp:dataModelExt xmlns:dsp="http://schemas.microsoft.com/office/drawing/2008/diagram" relId="rId7" minVer="http://schemas.openxmlformats.org/drawingml/2006/diagram"/>
     </a:ext>
   </dgm:extLst>
 </dgm:dataModel>
@@ -7823,7 +8090,7 @@
         <a:lstStyle/>
         <a:p>
           <a:r>
-            <a:rPr lang="en-US"/>
+            <a:rPr lang="en-US" dirty="0"/>
             <a:t>With innovation, Kaggle can lead real-time and explainable AI competitions.</a:t>
           </a:r>
         </a:p>
@@ -8031,7 +8298,7 @@
   <dgm:whole/>
   <dgm:extLst>
     <a:ext uri="http://schemas.microsoft.com/office/drawing/2008/diagram">
-      <dsp:dataModelExt xmlns:dsp="http://schemas.microsoft.com/office/drawing/2008/diagram" relId="rId6" minVer="http://schemas.openxmlformats.org/drawingml/2006/diagram"/>
+      <dsp:dataModelExt xmlns:dsp="http://schemas.microsoft.com/office/drawing/2008/diagram" relId="rId7" minVer="http://schemas.openxmlformats.org/drawingml/2006/diagram"/>
     </a:ext>
   </dgm:extLst>
 </dgm:dataModel>
@@ -8955,7 +9222,7 @@
             <a:defRPr cap="all"/>
           </a:pPr>
           <a:r>
-            <a:rPr lang="en-US" sz="1400" kern="1200"/>
+            <a:rPr lang="en-US" sz="1400" kern="1200" dirty="0"/>
             <a:t>Community shows interest in tabular, healthcare, geospatial data.</a:t>
           </a:r>
         </a:p>
@@ -9265,8 +9532,8 @@
             <a:defRPr cap="all"/>
           </a:pPr>
           <a:r>
-            <a:rPr lang="en-US" sz="1200" kern="1200"/>
-            <a:t>Growth may plateau without new verticals.</a:t>
+            <a:rPr lang="en-US" sz="1200" kern="1200" dirty="0"/>
+            <a:t>Growth may plateau without new verticals and FORMATS</a:t>
           </a:r>
         </a:p>
       </dsp:txBody>
@@ -10818,7 +11085,7 @@
             <a:buNone/>
           </a:pPr>
           <a:r>
-            <a:rPr lang="en-US" sz="1600" kern="1200"/>
+            <a:rPr lang="en-US" sz="1600" kern="1200" dirty="0"/>
             <a:t>With innovation, Kaggle can lead real-time and explainable AI competitions.</a:t>
           </a:r>
         </a:p>
@@ -18518,6 +18785,1131 @@
 </dgm:styleDef>
 </file>
 
+<file path=ppt/notesMasters/notesMaster1.xml><?xml version="1.0" encoding="utf-8"?>
+<p:notesMaster xmlns:a="http://schemas.openxmlformats.org/drawingml/2006/main" xmlns:r="http://schemas.openxmlformats.org/officeDocument/2006/relationships" xmlns:p="http://schemas.openxmlformats.org/presentationml/2006/main">
+  <p:cSld>
+    <p:bg>
+      <p:bgRef idx="1001">
+        <a:schemeClr val="bg1"/>
+      </p:bgRef>
+    </p:bg>
+    <p:spTree>
+      <p:nvGrpSpPr>
+        <p:cNvPr id="1" name=""/>
+        <p:cNvGrpSpPr/>
+        <p:nvPr/>
+      </p:nvGrpSpPr>
+      <p:grpSpPr>
+        <a:xfrm>
+          <a:off x="0" y="0"/>
+          <a:ext cx="0" cy="0"/>
+          <a:chOff x="0" y="0"/>
+          <a:chExt cx="0" cy="0"/>
+        </a:xfrm>
+      </p:grpSpPr>
+      <p:sp>
+        <p:nvSpPr>
+          <p:cNvPr id="2" name="Header Placeholder 1"/>
+          <p:cNvSpPr>
+            <a:spLocks noGrp="1"/>
+          </p:cNvSpPr>
+          <p:nvPr>
+            <p:ph type="hdr" sz="quarter"/>
+          </p:nvPr>
+        </p:nvSpPr>
+        <p:spPr>
+          <a:xfrm>
+            <a:off x="0" y="0"/>
+            <a:ext cx="2971800" cy="458788"/>
+          </a:xfrm>
+          <a:prstGeom prst="rect">
+            <a:avLst/>
+          </a:prstGeom>
+        </p:spPr>
+        <p:txBody>
+          <a:bodyPr vert="horz" lIns="91440" tIns="45720" rIns="91440" bIns="45720" rtlCol="0"/>
+          <a:lstStyle>
+            <a:lvl1pPr algn="l">
+              <a:defRPr sz="1200"/>
+            </a:lvl1pPr>
+          </a:lstStyle>
+          <a:p>
+            <a:endParaRPr lang="en-US"/>
+          </a:p>
+        </p:txBody>
+      </p:sp>
+      <p:sp>
+        <p:nvSpPr>
+          <p:cNvPr id="3" name="Date Placeholder 2"/>
+          <p:cNvSpPr>
+            <a:spLocks noGrp="1"/>
+          </p:cNvSpPr>
+          <p:nvPr>
+            <p:ph type="dt" idx="1"/>
+          </p:nvPr>
+        </p:nvSpPr>
+        <p:spPr>
+          <a:xfrm>
+            <a:off x="3884613" y="0"/>
+            <a:ext cx="2971800" cy="458788"/>
+          </a:xfrm>
+          <a:prstGeom prst="rect">
+            <a:avLst/>
+          </a:prstGeom>
+        </p:spPr>
+        <p:txBody>
+          <a:bodyPr vert="horz" lIns="91440" tIns="45720" rIns="91440" bIns="45720" rtlCol="0"/>
+          <a:lstStyle>
+            <a:lvl1pPr algn="r">
+              <a:defRPr sz="1200"/>
+            </a:lvl1pPr>
+          </a:lstStyle>
+          <a:p>
+            <a:fld id="{27A2DE68-5D26-F149-A5FF-AE8020404C5D}" type="datetimeFigureOut">
+              <a:rPr lang="en-US" smtClean="0"/>
+              <a:t>7/19/25</a:t>
+            </a:fld>
+            <a:endParaRPr lang="en-US"/>
+          </a:p>
+        </p:txBody>
+      </p:sp>
+      <p:sp>
+        <p:nvSpPr>
+          <p:cNvPr id="4" name="Slide Image Placeholder 3"/>
+          <p:cNvSpPr>
+            <a:spLocks noGrp="1" noRot="1" noChangeAspect="1"/>
+          </p:cNvSpPr>
+          <p:nvPr>
+            <p:ph type="sldImg" idx="2"/>
+          </p:nvPr>
+        </p:nvSpPr>
+        <p:spPr>
+          <a:xfrm>
+            <a:off x="1371600" y="1143000"/>
+            <a:ext cx="4114800" cy="3086100"/>
+          </a:xfrm>
+          <a:prstGeom prst="rect">
+            <a:avLst/>
+          </a:prstGeom>
+          <a:noFill/>
+          <a:ln w="12700">
+            <a:solidFill>
+              <a:prstClr val="black"/>
+            </a:solidFill>
+          </a:ln>
+        </p:spPr>
+        <p:txBody>
+          <a:bodyPr vert="horz" lIns="91440" tIns="45720" rIns="91440" bIns="45720" rtlCol="0" anchor="ctr"/>
+          <a:lstStyle/>
+          <a:p>
+            <a:endParaRPr lang="en-US"/>
+          </a:p>
+        </p:txBody>
+      </p:sp>
+      <p:sp>
+        <p:nvSpPr>
+          <p:cNvPr id="5" name="Notes Placeholder 4"/>
+          <p:cNvSpPr>
+            <a:spLocks noGrp="1"/>
+          </p:cNvSpPr>
+          <p:nvPr>
+            <p:ph type="body" sz="quarter" idx="3"/>
+          </p:nvPr>
+        </p:nvSpPr>
+        <p:spPr>
+          <a:xfrm>
+            <a:off x="685800" y="4400550"/>
+            <a:ext cx="5486400" cy="3600450"/>
+          </a:xfrm>
+          <a:prstGeom prst="rect">
+            <a:avLst/>
+          </a:prstGeom>
+        </p:spPr>
+        <p:txBody>
+          <a:bodyPr vert="horz" lIns="91440" tIns="45720" rIns="91440" bIns="45720" rtlCol="0"/>
+          <a:lstStyle/>
+          <a:p>
+            <a:pPr lvl="0"/>
+            <a:r>
+              <a:rPr lang="en-GB"/>
+              <a:t>Click to edit Master text styles</a:t>
+            </a:r>
+          </a:p>
+          <a:p>
+            <a:pPr lvl="1"/>
+            <a:r>
+              <a:rPr lang="en-GB"/>
+              <a:t>Second level</a:t>
+            </a:r>
+          </a:p>
+          <a:p>
+            <a:pPr lvl="2"/>
+            <a:r>
+              <a:rPr lang="en-GB"/>
+              <a:t>Third level</a:t>
+            </a:r>
+          </a:p>
+          <a:p>
+            <a:pPr lvl="3"/>
+            <a:r>
+              <a:rPr lang="en-GB"/>
+              <a:t>Fourth level</a:t>
+            </a:r>
+          </a:p>
+          <a:p>
+            <a:pPr lvl="4"/>
+            <a:r>
+              <a:rPr lang="en-GB"/>
+              <a:t>Fifth level</a:t>
+            </a:r>
+            <a:endParaRPr lang="en-US"/>
+          </a:p>
+        </p:txBody>
+      </p:sp>
+      <p:sp>
+        <p:nvSpPr>
+          <p:cNvPr id="6" name="Footer Placeholder 5"/>
+          <p:cNvSpPr>
+            <a:spLocks noGrp="1"/>
+          </p:cNvSpPr>
+          <p:nvPr>
+            <p:ph type="ftr" sz="quarter" idx="4"/>
+          </p:nvPr>
+        </p:nvSpPr>
+        <p:spPr>
+          <a:xfrm>
+            <a:off x="0" y="8685213"/>
+            <a:ext cx="2971800" cy="458787"/>
+          </a:xfrm>
+          <a:prstGeom prst="rect">
+            <a:avLst/>
+          </a:prstGeom>
+        </p:spPr>
+        <p:txBody>
+          <a:bodyPr vert="horz" lIns="91440" tIns="45720" rIns="91440" bIns="45720" rtlCol="0" anchor="b"/>
+          <a:lstStyle>
+            <a:lvl1pPr algn="l">
+              <a:defRPr sz="1200"/>
+            </a:lvl1pPr>
+          </a:lstStyle>
+          <a:p>
+            <a:endParaRPr lang="en-US"/>
+          </a:p>
+        </p:txBody>
+      </p:sp>
+      <p:sp>
+        <p:nvSpPr>
+          <p:cNvPr id="7" name="Slide Number Placeholder 6"/>
+          <p:cNvSpPr>
+            <a:spLocks noGrp="1"/>
+          </p:cNvSpPr>
+          <p:nvPr>
+            <p:ph type="sldNum" sz="quarter" idx="5"/>
+          </p:nvPr>
+        </p:nvSpPr>
+        <p:spPr>
+          <a:xfrm>
+            <a:off x="3884613" y="8685213"/>
+            <a:ext cx="2971800" cy="458787"/>
+          </a:xfrm>
+          <a:prstGeom prst="rect">
+            <a:avLst/>
+          </a:prstGeom>
+        </p:spPr>
+        <p:txBody>
+          <a:bodyPr vert="horz" lIns="91440" tIns="45720" rIns="91440" bIns="45720" rtlCol="0" anchor="b"/>
+          <a:lstStyle>
+            <a:lvl1pPr algn="r">
+              <a:defRPr sz="1200"/>
+            </a:lvl1pPr>
+          </a:lstStyle>
+          <a:p>
+            <a:fld id="{DE5EA134-2803-6642-A916-A92D55A029F1}" type="slidenum">
+              <a:rPr lang="en-US" smtClean="0"/>
+              <a:t>‹#›</a:t>
+            </a:fld>
+            <a:endParaRPr lang="en-US"/>
+          </a:p>
+        </p:txBody>
+      </p:sp>
+    </p:spTree>
+    <p:extLst>
+      <p:ext uri="{BB962C8B-B14F-4D97-AF65-F5344CB8AC3E}">
+        <p14:creationId xmlns:p14="http://schemas.microsoft.com/office/powerpoint/2010/main" val="365807320"/>
+      </p:ext>
+    </p:extLst>
+  </p:cSld>
+  <p:clrMap bg1="lt1" tx1="dk1" bg2="lt2" tx2="dk2" accent1="accent1" accent2="accent2" accent3="accent3" accent4="accent4" accent5="accent5" accent6="accent6" hlink="hlink" folHlink="folHlink"/>
+  <p:notesStyle>
+    <a:lvl1pPr marL="0" algn="l" defTabSz="914400" rtl="0" eaLnBrk="1" latinLnBrk="0" hangingPunct="1">
+      <a:defRPr sz="1200" kern="1200">
+        <a:solidFill>
+          <a:schemeClr val="tx1"/>
+        </a:solidFill>
+        <a:latin typeface="+mn-lt"/>
+        <a:ea typeface="+mn-ea"/>
+        <a:cs typeface="+mn-cs"/>
+      </a:defRPr>
+    </a:lvl1pPr>
+    <a:lvl2pPr marL="457200" algn="l" defTabSz="914400" rtl="0" eaLnBrk="1" latinLnBrk="0" hangingPunct="1">
+      <a:defRPr sz="1200" kern="1200">
+        <a:solidFill>
+          <a:schemeClr val="tx1"/>
+        </a:solidFill>
+        <a:latin typeface="+mn-lt"/>
+        <a:ea typeface="+mn-ea"/>
+        <a:cs typeface="+mn-cs"/>
+      </a:defRPr>
+    </a:lvl2pPr>
+    <a:lvl3pPr marL="914400" algn="l" defTabSz="914400" rtl="0" eaLnBrk="1" latinLnBrk="0" hangingPunct="1">
+      <a:defRPr sz="1200" kern="1200">
+        <a:solidFill>
+          <a:schemeClr val="tx1"/>
+        </a:solidFill>
+        <a:latin typeface="+mn-lt"/>
+        <a:ea typeface="+mn-ea"/>
+        <a:cs typeface="+mn-cs"/>
+      </a:defRPr>
+    </a:lvl3pPr>
+    <a:lvl4pPr marL="1371600" algn="l" defTabSz="914400" rtl="0" eaLnBrk="1" latinLnBrk="0" hangingPunct="1">
+      <a:defRPr sz="1200" kern="1200">
+        <a:solidFill>
+          <a:schemeClr val="tx1"/>
+        </a:solidFill>
+        <a:latin typeface="+mn-lt"/>
+        <a:ea typeface="+mn-ea"/>
+        <a:cs typeface="+mn-cs"/>
+      </a:defRPr>
+    </a:lvl4pPr>
+    <a:lvl5pPr marL="1828800" algn="l" defTabSz="914400" rtl="0" eaLnBrk="1" latinLnBrk="0" hangingPunct="1">
+      <a:defRPr sz="1200" kern="1200">
+        <a:solidFill>
+          <a:schemeClr val="tx1"/>
+        </a:solidFill>
+        <a:latin typeface="+mn-lt"/>
+        <a:ea typeface="+mn-ea"/>
+        <a:cs typeface="+mn-cs"/>
+      </a:defRPr>
+    </a:lvl5pPr>
+    <a:lvl6pPr marL="2286000" algn="l" defTabSz="914400" rtl="0" eaLnBrk="1" latinLnBrk="0" hangingPunct="1">
+      <a:defRPr sz="1200" kern="1200">
+        <a:solidFill>
+          <a:schemeClr val="tx1"/>
+        </a:solidFill>
+        <a:latin typeface="+mn-lt"/>
+        <a:ea typeface="+mn-ea"/>
+        <a:cs typeface="+mn-cs"/>
+      </a:defRPr>
+    </a:lvl6pPr>
+    <a:lvl7pPr marL="2743200" algn="l" defTabSz="914400" rtl="0" eaLnBrk="1" latinLnBrk="0" hangingPunct="1">
+      <a:defRPr sz="1200" kern="1200">
+        <a:solidFill>
+          <a:schemeClr val="tx1"/>
+        </a:solidFill>
+        <a:latin typeface="+mn-lt"/>
+        <a:ea typeface="+mn-ea"/>
+        <a:cs typeface="+mn-cs"/>
+      </a:defRPr>
+    </a:lvl7pPr>
+    <a:lvl8pPr marL="3200400" algn="l" defTabSz="914400" rtl="0" eaLnBrk="1" latinLnBrk="0" hangingPunct="1">
+      <a:defRPr sz="1200" kern="1200">
+        <a:solidFill>
+          <a:schemeClr val="tx1"/>
+        </a:solidFill>
+        <a:latin typeface="+mn-lt"/>
+        <a:ea typeface="+mn-ea"/>
+        <a:cs typeface="+mn-cs"/>
+      </a:defRPr>
+    </a:lvl8pPr>
+    <a:lvl9pPr marL="3657600" algn="l" defTabSz="914400" rtl="0" eaLnBrk="1" latinLnBrk="0" hangingPunct="1">
+      <a:defRPr sz="1200" kern="1200">
+        <a:solidFill>
+          <a:schemeClr val="tx1"/>
+        </a:solidFill>
+        <a:latin typeface="+mn-lt"/>
+        <a:ea typeface="+mn-ea"/>
+        <a:cs typeface="+mn-cs"/>
+      </a:defRPr>
+    </a:lvl9pPr>
+  </p:notesStyle>
+</p:notesMaster>
+</file>
+
+<file path=ppt/notesSlides/notesSlide1.xml><?xml version="1.0" encoding="utf-8"?>
+<p:notes xmlns:a="http://schemas.openxmlformats.org/drawingml/2006/main" xmlns:r="http://schemas.openxmlformats.org/officeDocument/2006/relationships" xmlns:p="http://schemas.openxmlformats.org/presentationml/2006/main">
+  <p:cSld>
+    <p:spTree>
+      <p:nvGrpSpPr>
+        <p:cNvPr id="1" name=""/>
+        <p:cNvGrpSpPr/>
+        <p:nvPr/>
+      </p:nvGrpSpPr>
+      <p:grpSpPr>
+        <a:xfrm>
+          <a:off x="0" y="0"/>
+          <a:ext cx="0" cy="0"/>
+          <a:chOff x="0" y="0"/>
+          <a:chExt cx="0" cy="0"/>
+        </a:xfrm>
+      </p:grpSpPr>
+      <p:sp>
+        <p:nvSpPr>
+          <p:cNvPr id="2" name="Slide Image Placeholder 1"/>
+          <p:cNvSpPr>
+            <a:spLocks noGrp="1" noRot="1" noChangeAspect="1"/>
+          </p:cNvSpPr>
+          <p:nvPr>
+            <p:ph type="sldImg"/>
+          </p:nvPr>
+        </p:nvSpPr>
+        <p:spPr/>
+      </p:sp>
+      <p:sp>
+        <p:nvSpPr>
+          <p:cNvPr id="3" name="Notes Placeholder 2"/>
+          <p:cNvSpPr>
+            <a:spLocks noGrp="1"/>
+          </p:cNvSpPr>
+          <p:nvPr>
+            <p:ph type="body" idx="1"/>
+          </p:nvPr>
+        </p:nvSpPr>
+        <p:spPr/>
+        <p:txBody>
+          <a:bodyPr/>
+          <a:lstStyle/>
+          <a:p>
+            <a:r>
+              <a:rPr lang="en-AU" dirty="0"/>
+              <a:t>This report </a:t>
+            </a:r>
+            <a:r>
+              <a:rPr lang="en-AU" dirty="0" err="1"/>
+              <a:t>analyzes</a:t>
+            </a:r>
+            <a:r>
+              <a:rPr lang="en-AU" dirty="0"/>
+              <a:t> visual and textual data from the Kaggle Innovation to derive key insights, highlight emerging trends, and provide actionable recommendations for strategic growth and platform enhancement.</a:t>
+            </a:r>
+            <a:endParaRPr lang="en-US" dirty="0"/>
+          </a:p>
+        </p:txBody>
+      </p:sp>
+      <p:sp>
+        <p:nvSpPr>
+          <p:cNvPr id="4" name="Slide Number Placeholder 3"/>
+          <p:cNvSpPr>
+            <a:spLocks noGrp="1"/>
+          </p:cNvSpPr>
+          <p:nvPr>
+            <p:ph type="sldNum" sz="quarter" idx="5"/>
+          </p:nvPr>
+        </p:nvSpPr>
+        <p:spPr/>
+        <p:txBody>
+          <a:bodyPr/>
+          <a:lstStyle/>
+          <a:p>
+            <a:fld id="{DE5EA134-2803-6642-A916-A92D55A029F1}" type="slidenum">
+              <a:rPr lang="en-US" smtClean="0"/>
+              <a:t>2</a:t>
+            </a:fld>
+            <a:endParaRPr lang="en-US"/>
+          </a:p>
+        </p:txBody>
+      </p:sp>
+    </p:spTree>
+    <p:extLst>
+      <p:ext uri="{BB962C8B-B14F-4D97-AF65-F5344CB8AC3E}">
+        <p14:creationId xmlns:p14="http://schemas.microsoft.com/office/powerpoint/2010/main" val="1668585143"/>
+      </p:ext>
+    </p:extLst>
+  </p:cSld>
+  <p:clrMapOvr>
+    <a:masterClrMapping/>
+  </p:clrMapOvr>
+</p:notes>
+</file>
+
+<file path=ppt/notesSlides/notesSlide2.xml><?xml version="1.0" encoding="utf-8"?>
+<p:notes xmlns:a="http://schemas.openxmlformats.org/drawingml/2006/main" xmlns:r="http://schemas.openxmlformats.org/officeDocument/2006/relationships" xmlns:p="http://schemas.openxmlformats.org/presentationml/2006/main">
+  <p:cSld>
+    <p:spTree>
+      <p:nvGrpSpPr>
+        <p:cNvPr id="1" name=""/>
+        <p:cNvGrpSpPr/>
+        <p:nvPr/>
+      </p:nvGrpSpPr>
+      <p:grpSpPr>
+        <a:xfrm>
+          <a:off x="0" y="0"/>
+          <a:ext cx="0" cy="0"/>
+          <a:chOff x="0" y="0"/>
+          <a:chExt cx="0" cy="0"/>
+        </a:xfrm>
+      </p:grpSpPr>
+      <p:sp>
+        <p:nvSpPr>
+          <p:cNvPr id="2" name="Slide Image Placeholder 1"/>
+          <p:cNvSpPr>
+            <a:spLocks noGrp="1" noRot="1" noChangeAspect="1"/>
+          </p:cNvSpPr>
+          <p:nvPr>
+            <p:ph type="sldImg"/>
+          </p:nvPr>
+        </p:nvSpPr>
+        <p:spPr/>
+      </p:sp>
+      <p:sp>
+        <p:nvSpPr>
+          <p:cNvPr id="3" name="Notes Placeholder 2"/>
+          <p:cNvSpPr>
+            <a:spLocks noGrp="1"/>
+          </p:cNvSpPr>
+          <p:nvPr>
+            <p:ph type="body" idx="1"/>
+          </p:nvPr>
+        </p:nvSpPr>
+        <p:spPr/>
+        <p:txBody>
+          <a:bodyPr/>
+          <a:lstStyle/>
+          <a:p>
+            <a:pPr>
+              <a:buNone/>
+            </a:pPr>
+            <a:r>
+              <a:rPr lang="en-AU" b="1" dirty="0"/>
+              <a:t>Observations</a:t>
+            </a:r>
+            <a:r>
+              <a:rPr lang="en-AU" dirty="0"/>
+              <a:t>:</a:t>
+            </a:r>
+          </a:p>
+          <a:p>
+            <a:pPr>
+              <a:buFont typeface="Arial" panose="020B0604020202020204" pitchFamily="34" charset="0"/>
+              <a:buChar char="•"/>
+            </a:pPr>
+            <a:r>
+              <a:rPr lang="en-AU" dirty="0"/>
+              <a:t>More users from non-traditional data science backgrounds.</a:t>
+            </a:r>
+          </a:p>
+          <a:p>
+            <a:pPr>
+              <a:buFont typeface="Arial" panose="020B0604020202020204" pitchFamily="34" charset="0"/>
+              <a:buChar char="•"/>
+            </a:pPr>
+            <a:r>
+              <a:rPr lang="en-AU" dirty="0"/>
+              <a:t>Increase in collaborative teams over solo submissions.</a:t>
+            </a:r>
+          </a:p>
+          <a:p>
+            <a:pPr>
+              <a:buNone/>
+            </a:pPr>
+            <a:r>
+              <a:rPr lang="en-AU" b="1" dirty="0"/>
+              <a:t>Insight</a:t>
+            </a:r>
+            <a:r>
+              <a:rPr lang="en-AU" dirty="0"/>
+              <a:t>: Community-learning is a major engagement driver.</a:t>
+            </a:r>
+          </a:p>
+          <a:p>
+            <a:endParaRPr lang="en-US" dirty="0"/>
+          </a:p>
+        </p:txBody>
+      </p:sp>
+      <p:sp>
+        <p:nvSpPr>
+          <p:cNvPr id="4" name="Slide Number Placeholder 3"/>
+          <p:cNvSpPr>
+            <a:spLocks noGrp="1"/>
+          </p:cNvSpPr>
+          <p:nvPr>
+            <p:ph type="sldNum" sz="quarter" idx="5"/>
+          </p:nvPr>
+        </p:nvSpPr>
+        <p:spPr/>
+        <p:txBody>
+          <a:bodyPr/>
+          <a:lstStyle/>
+          <a:p>
+            <a:fld id="{DE5EA134-2803-6642-A916-A92D55A029F1}" type="slidenum">
+              <a:rPr lang="en-US" smtClean="0"/>
+              <a:t>5</a:t>
+            </a:fld>
+            <a:endParaRPr lang="en-US"/>
+          </a:p>
+        </p:txBody>
+      </p:sp>
+    </p:spTree>
+    <p:extLst>
+      <p:ext uri="{BB962C8B-B14F-4D97-AF65-F5344CB8AC3E}">
+        <p14:creationId xmlns:p14="http://schemas.microsoft.com/office/powerpoint/2010/main" val="3709025060"/>
+      </p:ext>
+    </p:extLst>
+  </p:cSld>
+  <p:clrMapOvr>
+    <a:masterClrMapping/>
+  </p:clrMapOvr>
+</p:notes>
+</file>
+
+<file path=ppt/notesSlides/notesSlide3.xml><?xml version="1.0" encoding="utf-8"?>
+<p:notes xmlns:a="http://schemas.openxmlformats.org/drawingml/2006/main" xmlns:r="http://schemas.openxmlformats.org/officeDocument/2006/relationships" xmlns:p="http://schemas.openxmlformats.org/presentationml/2006/main">
+  <p:cSld>
+    <p:spTree>
+      <p:nvGrpSpPr>
+        <p:cNvPr id="1" name=""/>
+        <p:cNvGrpSpPr/>
+        <p:nvPr/>
+      </p:nvGrpSpPr>
+      <p:grpSpPr>
+        <a:xfrm>
+          <a:off x="0" y="0"/>
+          <a:ext cx="0" cy="0"/>
+          <a:chOff x="0" y="0"/>
+          <a:chExt cx="0" cy="0"/>
+        </a:xfrm>
+      </p:grpSpPr>
+      <p:sp>
+        <p:nvSpPr>
+          <p:cNvPr id="2" name="Slide Image Placeholder 1"/>
+          <p:cNvSpPr>
+            <a:spLocks noGrp="1" noRot="1" noChangeAspect="1"/>
+          </p:cNvSpPr>
+          <p:nvPr>
+            <p:ph type="sldImg"/>
+          </p:nvPr>
+        </p:nvSpPr>
+        <p:spPr/>
+      </p:sp>
+      <p:sp>
+        <p:nvSpPr>
+          <p:cNvPr id="3" name="Notes Placeholder 2"/>
+          <p:cNvSpPr>
+            <a:spLocks noGrp="1"/>
+          </p:cNvSpPr>
+          <p:nvPr>
+            <p:ph type="body" idx="1"/>
+          </p:nvPr>
+        </p:nvSpPr>
+        <p:spPr/>
+        <p:txBody>
+          <a:bodyPr/>
+          <a:lstStyle/>
+          <a:p>
+            <a:pPr>
+              <a:buNone/>
+            </a:pPr>
+            <a:r>
+              <a:rPr lang="en-AU" b="1" dirty="0"/>
+              <a:t>Key Finding</a:t>
+            </a:r>
+            <a:r>
+              <a:rPr lang="en-AU" dirty="0"/>
+              <a:t>: High reward challenges tend to have more submissions but not necessarily better solutions.</a:t>
+            </a:r>
+          </a:p>
+          <a:p>
+            <a:pPr>
+              <a:buNone/>
+            </a:pPr>
+            <a:r>
+              <a:rPr lang="en-AU" b="1" dirty="0"/>
+              <a:t>Insight</a:t>
+            </a:r>
+            <a:r>
+              <a:rPr lang="en-AU" dirty="0"/>
+              <a:t>: Educational value and community recognition are powerful motivators beyond monetary rewards.</a:t>
+            </a:r>
+          </a:p>
+          <a:p>
+            <a:pPr>
+              <a:buNone/>
+            </a:pPr>
+            <a:r>
+              <a:rPr lang="en-AU" b="1" dirty="0"/>
+              <a:t>Trend</a:t>
+            </a:r>
+            <a:r>
+              <a:rPr lang="en-AU" dirty="0"/>
+              <a:t>: Shift from prize-seeking to skill-building and portfolio development.</a:t>
+            </a:r>
+          </a:p>
+          <a:p>
+            <a:endParaRPr lang="en-US" dirty="0"/>
+          </a:p>
+        </p:txBody>
+      </p:sp>
+      <p:sp>
+        <p:nvSpPr>
+          <p:cNvPr id="4" name="Slide Number Placeholder 3"/>
+          <p:cNvSpPr>
+            <a:spLocks noGrp="1"/>
+          </p:cNvSpPr>
+          <p:nvPr>
+            <p:ph type="sldNum" sz="quarter" idx="5"/>
+          </p:nvPr>
+        </p:nvSpPr>
+        <p:spPr/>
+        <p:txBody>
+          <a:bodyPr/>
+          <a:lstStyle/>
+          <a:p>
+            <a:fld id="{DE5EA134-2803-6642-A916-A92D55A029F1}" type="slidenum">
+              <a:rPr lang="en-US" smtClean="0"/>
+              <a:t>6</a:t>
+            </a:fld>
+            <a:endParaRPr lang="en-US"/>
+          </a:p>
+        </p:txBody>
+      </p:sp>
+    </p:spTree>
+    <p:extLst>
+      <p:ext uri="{BB962C8B-B14F-4D97-AF65-F5344CB8AC3E}">
+        <p14:creationId xmlns:p14="http://schemas.microsoft.com/office/powerpoint/2010/main" val="113543472"/>
+      </p:ext>
+    </p:extLst>
+  </p:cSld>
+  <p:clrMapOvr>
+    <a:masterClrMapping/>
+  </p:clrMapOvr>
+</p:notes>
+</file>
+
+<file path=ppt/notesSlides/notesSlide4.xml><?xml version="1.0" encoding="utf-8"?>
+<p:notes xmlns:a="http://schemas.openxmlformats.org/drawingml/2006/main" xmlns:r="http://schemas.openxmlformats.org/officeDocument/2006/relationships" xmlns:p="http://schemas.openxmlformats.org/presentationml/2006/main">
+  <p:cSld>
+    <p:spTree>
+      <p:nvGrpSpPr>
+        <p:cNvPr id="1" name=""/>
+        <p:cNvGrpSpPr/>
+        <p:nvPr/>
+      </p:nvGrpSpPr>
+      <p:grpSpPr>
+        <a:xfrm>
+          <a:off x="0" y="0"/>
+          <a:ext cx="0" cy="0"/>
+          <a:chOff x="0" y="0"/>
+          <a:chExt cx="0" cy="0"/>
+        </a:xfrm>
+      </p:grpSpPr>
+      <p:sp>
+        <p:nvSpPr>
+          <p:cNvPr id="2" name="Slide Image Placeholder 1"/>
+          <p:cNvSpPr>
+            <a:spLocks noGrp="1" noRot="1" noChangeAspect="1"/>
+          </p:cNvSpPr>
+          <p:nvPr>
+            <p:ph type="sldImg"/>
+          </p:nvPr>
+        </p:nvSpPr>
+        <p:spPr/>
+      </p:sp>
+      <p:sp>
+        <p:nvSpPr>
+          <p:cNvPr id="3" name="Notes Placeholder 2"/>
+          <p:cNvSpPr>
+            <a:spLocks noGrp="1"/>
+          </p:cNvSpPr>
+          <p:nvPr>
+            <p:ph type="body" idx="1"/>
+          </p:nvPr>
+        </p:nvSpPr>
+        <p:spPr/>
+        <p:txBody>
+          <a:bodyPr/>
+          <a:lstStyle/>
+          <a:p>
+            <a:pPr>
+              <a:buNone/>
+            </a:pPr>
+            <a:r>
+              <a:rPr lang="en-AU" b="1" dirty="0"/>
+              <a:t>Long-Term Forecast</a:t>
+            </a:r>
+          </a:p>
+          <a:p>
+            <a:pPr>
+              <a:buFont typeface="Arial" panose="020B0604020202020204" pitchFamily="34" charset="0"/>
+              <a:buChar char="•"/>
+            </a:pPr>
+            <a:r>
+              <a:rPr lang="en-AU" b="1" dirty="0"/>
+              <a:t>Risk</a:t>
+            </a:r>
+            <a:r>
+              <a:rPr lang="en-AU" dirty="0"/>
+              <a:t>: Plateau in engagement unless new verticals and formats are introduced.</a:t>
+            </a:r>
+          </a:p>
+          <a:p>
+            <a:pPr>
+              <a:buFont typeface="Arial" panose="020B0604020202020204" pitchFamily="34" charset="0"/>
+              <a:buChar char="•"/>
+            </a:pPr>
+            <a:r>
+              <a:rPr lang="en-AU" b="1" dirty="0"/>
+              <a:t>Expected Trends</a:t>
+            </a:r>
+            <a:r>
+              <a:rPr lang="en-AU" dirty="0"/>
+              <a:t>:</a:t>
+            </a:r>
+          </a:p>
+          <a:p>
+            <a:pPr marL="742950" lvl="1" indent="-285750">
+              <a:buFont typeface="Arial" panose="020B0604020202020204" pitchFamily="34" charset="0"/>
+              <a:buChar char="•"/>
+            </a:pPr>
+            <a:r>
+              <a:rPr lang="en-AU" dirty="0"/>
+              <a:t>Shift to model packaging and deployment.</a:t>
+            </a:r>
+          </a:p>
+          <a:p>
+            <a:pPr marL="742950" lvl="1" indent="-285750">
+              <a:buFont typeface="Arial" panose="020B0604020202020204" pitchFamily="34" charset="0"/>
+              <a:buChar char="•"/>
+            </a:pPr>
+            <a:r>
+              <a:rPr lang="en-AU" dirty="0"/>
+              <a:t>Rise of ML Ops and real-time streaming challenges.</a:t>
+            </a:r>
+          </a:p>
+          <a:p>
+            <a:pPr>
+              <a:buFont typeface="Arial" panose="020B0604020202020204" pitchFamily="34" charset="0"/>
+              <a:buChar char="•"/>
+            </a:pPr>
+            <a:r>
+              <a:rPr lang="en-AU" b="1" dirty="0"/>
+              <a:t>Opportunity</a:t>
+            </a:r>
+            <a:r>
+              <a:rPr lang="en-AU" dirty="0"/>
+              <a:t>: Integration with GitHub, Docker, and CI/CD for end-to-end ML workflows.</a:t>
+            </a:r>
+          </a:p>
+          <a:p>
+            <a:endParaRPr lang="en-US" dirty="0"/>
+          </a:p>
+        </p:txBody>
+      </p:sp>
+      <p:sp>
+        <p:nvSpPr>
+          <p:cNvPr id="4" name="Slide Number Placeholder 3"/>
+          <p:cNvSpPr>
+            <a:spLocks noGrp="1"/>
+          </p:cNvSpPr>
+          <p:nvPr>
+            <p:ph type="sldNum" sz="quarter" idx="5"/>
+          </p:nvPr>
+        </p:nvSpPr>
+        <p:spPr/>
+        <p:txBody>
+          <a:bodyPr/>
+          <a:lstStyle/>
+          <a:p>
+            <a:fld id="{DE5EA134-2803-6642-A916-A92D55A029F1}" type="slidenum">
+              <a:rPr lang="en-US" smtClean="0"/>
+              <a:t>9</a:t>
+            </a:fld>
+            <a:endParaRPr lang="en-US"/>
+          </a:p>
+        </p:txBody>
+      </p:sp>
+    </p:spTree>
+    <p:extLst>
+      <p:ext uri="{BB962C8B-B14F-4D97-AF65-F5344CB8AC3E}">
+        <p14:creationId xmlns:p14="http://schemas.microsoft.com/office/powerpoint/2010/main" val="1299834730"/>
+      </p:ext>
+    </p:extLst>
+  </p:cSld>
+  <p:clrMapOvr>
+    <a:masterClrMapping/>
+  </p:clrMapOvr>
+</p:notes>
+</file>
+
+<file path=ppt/notesSlides/notesSlide5.xml><?xml version="1.0" encoding="utf-8"?>
+<p:notes xmlns:a="http://schemas.openxmlformats.org/drawingml/2006/main" xmlns:r="http://schemas.openxmlformats.org/officeDocument/2006/relationships" xmlns:p="http://schemas.openxmlformats.org/presentationml/2006/main">
+  <p:cSld>
+    <p:spTree>
+      <p:nvGrpSpPr>
+        <p:cNvPr id="1" name=""/>
+        <p:cNvGrpSpPr/>
+        <p:nvPr/>
+      </p:nvGrpSpPr>
+      <p:grpSpPr>
+        <a:xfrm>
+          <a:off x="0" y="0"/>
+          <a:ext cx="0" cy="0"/>
+          <a:chOff x="0" y="0"/>
+          <a:chExt cx="0" cy="0"/>
+        </a:xfrm>
+      </p:grpSpPr>
+      <p:sp>
+        <p:nvSpPr>
+          <p:cNvPr id="2" name="Slide Image Placeholder 1"/>
+          <p:cNvSpPr>
+            <a:spLocks noGrp="1" noRot="1" noChangeAspect="1"/>
+          </p:cNvSpPr>
+          <p:nvPr>
+            <p:ph type="sldImg"/>
+          </p:nvPr>
+        </p:nvSpPr>
+        <p:spPr/>
+      </p:sp>
+      <p:sp>
+        <p:nvSpPr>
+          <p:cNvPr id="3" name="Notes Placeholder 2"/>
+          <p:cNvSpPr>
+            <a:spLocks noGrp="1"/>
+          </p:cNvSpPr>
+          <p:nvPr>
+            <p:ph type="body" idx="1"/>
+          </p:nvPr>
+        </p:nvSpPr>
+        <p:spPr/>
+        <p:txBody>
+          <a:bodyPr/>
+          <a:lstStyle/>
+          <a:p>
+            <a:pPr>
+              <a:buNone/>
+            </a:pPr>
+            <a:r>
+              <a:rPr lang="en-AU" dirty="0"/>
+              <a:t>Launch </a:t>
+            </a:r>
+            <a:r>
+              <a:rPr lang="en-AU" b="1" dirty="0"/>
+              <a:t>educational tracks</a:t>
+            </a:r>
+            <a:r>
+              <a:rPr lang="en-AU" dirty="0"/>
+              <a:t> with increasing complexity to support user growth.</a:t>
+            </a:r>
+          </a:p>
+          <a:p>
+            <a:pPr>
+              <a:buNone/>
+            </a:pPr>
+            <a:r>
+              <a:rPr lang="en-AU" dirty="0"/>
+              <a:t>Use </a:t>
+            </a:r>
+            <a:r>
+              <a:rPr lang="en-AU" b="1" dirty="0"/>
+              <a:t>LLM-assisted feedback</a:t>
+            </a:r>
+            <a:r>
+              <a:rPr lang="en-AU" dirty="0"/>
+              <a:t> to improve submissions and learning during competitions.</a:t>
+            </a:r>
+          </a:p>
+          <a:p>
+            <a:pPr>
+              <a:buNone/>
+            </a:pPr>
+            <a:r>
+              <a:rPr lang="en-AU" dirty="0"/>
+              <a:t>Promote </a:t>
+            </a:r>
+            <a:r>
+              <a:rPr lang="en-AU" b="1" dirty="0"/>
+              <a:t>region-specific challenges</a:t>
+            </a:r>
+            <a:r>
+              <a:rPr lang="en-AU" dirty="0"/>
+              <a:t> to diversify participation.</a:t>
+            </a:r>
+          </a:p>
+          <a:p>
+            <a:pPr>
+              <a:buNone/>
+            </a:pPr>
+            <a:r>
+              <a:rPr lang="en-AU" dirty="0"/>
+              <a:t>Incentivize </a:t>
+            </a:r>
+            <a:r>
+              <a:rPr lang="en-AU" b="1" dirty="0"/>
+              <a:t>high-quality, reusable pipelines</a:t>
+            </a:r>
+            <a:r>
+              <a:rPr lang="en-AU" dirty="0"/>
+              <a:t> through meta-learning formats.</a:t>
+            </a:r>
+          </a:p>
+          <a:p>
+            <a:pPr>
+              <a:buNone/>
+            </a:pPr>
+            <a:r>
+              <a:rPr lang="en-AU" dirty="0"/>
+              <a:t>Partner with cloud providers to streamline </a:t>
+            </a:r>
+            <a:r>
+              <a:rPr lang="en-AU" b="1" dirty="0"/>
+              <a:t>model deployment and evaluation</a:t>
+            </a:r>
+            <a:r>
+              <a:rPr lang="en-AU" dirty="0"/>
+              <a:t>.</a:t>
+            </a:r>
+          </a:p>
+          <a:p>
+            <a:endParaRPr lang="en-US" dirty="0"/>
+          </a:p>
+        </p:txBody>
+      </p:sp>
+      <p:sp>
+        <p:nvSpPr>
+          <p:cNvPr id="4" name="Slide Number Placeholder 3"/>
+          <p:cNvSpPr>
+            <a:spLocks noGrp="1"/>
+          </p:cNvSpPr>
+          <p:nvPr>
+            <p:ph type="sldNum" sz="quarter" idx="5"/>
+          </p:nvPr>
+        </p:nvSpPr>
+        <p:spPr/>
+        <p:txBody>
+          <a:bodyPr/>
+          <a:lstStyle/>
+          <a:p>
+            <a:fld id="{DE5EA134-2803-6642-A916-A92D55A029F1}" type="slidenum">
+              <a:rPr lang="en-US" smtClean="0"/>
+              <a:t>10</a:t>
+            </a:fld>
+            <a:endParaRPr lang="en-US"/>
+          </a:p>
+        </p:txBody>
+      </p:sp>
+    </p:spTree>
+    <p:extLst>
+      <p:ext uri="{BB962C8B-B14F-4D97-AF65-F5344CB8AC3E}">
+        <p14:creationId xmlns:p14="http://schemas.microsoft.com/office/powerpoint/2010/main" val="490735496"/>
+      </p:ext>
+    </p:extLst>
+  </p:cSld>
+  <p:clrMapOvr>
+    <a:masterClrMapping/>
+  </p:clrMapOvr>
+</p:notes>
+</file>
+
+<file path=ppt/notesSlides/notesSlide6.xml><?xml version="1.0" encoding="utf-8"?>
+<p:notes xmlns:a="http://schemas.openxmlformats.org/drawingml/2006/main" xmlns:r="http://schemas.openxmlformats.org/officeDocument/2006/relationships" xmlns:p="http://schemas.openxmlformats.org/presentationml/2006/main">
+  <p:cSld>
+    <p:spTree>
+      <p:nvGrpSpPr>
+        <p:cNvPr id="1" name=""/>
+        <p:cNvGrpSpPr/>
+        <p:nvPr/>
+      </p:nvGrpSpPr>
+      <p:grpSpPr>
+        <a:xfrm>
+          <a:off x="0" y="0"/>
+          <a:ext cx="0" cy="0"/>
+          <a:chOff x="0" y="0"/>
+          <a:chExt cx="0" cy="0"/>
+        </a:xfrm>
+      </p:grpSpPr>
+      <p:sp>
+        <p:nvSpPr>
+          <p:cNvPr id="2" name="Slide Image Placeholder 1"/>
+          <p:cNvSpPr>
+            <a:spLocks noGrp="1" noRot="1" noChangeAspect="1"/>
+          </p:cNvSpPr>
+          <p:nvPr>
+            <p:ph type="sldImg"/>
+          </p:nvPr>
+        </p:nvSpPr>
+        <p:spPr/>
+      </p:sp>
+      <p:sp>
+        <p:nvSpPr>
+          <p:cNvPr id="3" name="Notes Placeholder 2"/>
+          <p:cNvSpPr>
+            <a:spLocks noGrp="1"/>
+          </p:cNvSpPr>
+          <p:nvPr>
+            <p:ph type="body" idx="1"/>
+          </p:nvPr>
+        </p:nvSpPr>
+        <p:spPr/>
+        <p:txBody>
+          <a:bodyPr/>
+          <a:lstStyle/>
+          <a:p>
+            <a:pPr>
+              <a:buNone/>
+            </a:pPr>
+            <a:r>
+              <a:rPr lang="en-AU" dirty="0"/>
+              <a:t>Kaggle continues to be the leading platform for open AI innovation.</a:t>
+            </a:r>
+          </a:p>
+          <a:p>
+            <a:pPr>
+              <a:buNone/>
+            </a:pPr>
+            <a:r>
+              <a:rPr lang="en-AU"/>
+              <a:t>With strategic expansion into real-time, explainable, and deployable ML, Kaggle can future-proof its ecosystem and maintain community growth.</a:t>
+            </a:r>
+          </a:p>
+          <a:p>
+            <a:endParaRPr lang="en-US"/>
+          </a:p>
+        </p:txBody>
+      </p:sp>
+      <p:sp>
+        <p:nvSpPr>
+          <p:cNvPr id="4" name="Slide Number Placeholder 3"/>
+          <p:cNvSpPr>
+            <a:spLocks noGrp="1"/>
+          </p:cNvSpPr>
+          <p:nvPr>
+            <p:ph type="sldNum" sz="quarter" idx="5"/>
+          </p:nvPr>
+        </p:nvSpPr>
+        <p:spPr/>
+        <p:txBody>
+          <a:bodyPr/>
+          <a:lstStyle/>
+          <a:p>
+            <a:fld id="{DE5EA134-2803-6642-A916-A92D55A029F1}" type="slidenum">
+              <a:rPr lang="en-US" smtClean="0"/>
+              <a:t>11</a:t>
+            </a:fld>
+            <a:endParaRPr lang="en-US"/>
+          </a:p>
+        </p:txBody>
+      </p:sp>
+    </p:spTree>
+    <p:extLst>
+      <p:ext uri="{BB962C8B-B14F-4D97-AF65-F5344CB8AC3E}">
+        <p14:creationId xmlns:p14="http://schemas.microsoft.com/office/powerpoint/2010/main" val="2040523226"/>
+      </p:ext>
+    </p:extLst>
+  </p:cSld>
+  <p:clrMapOvr>
+    <a:masterClrMapping/>
+  </p:clrMapOvr>
+</p:notes>
+</file>
+
 <file path=ppt/slideLayouts/slideLayout1.xml><?xml version="1.0" encoding="utf-8"?>
 <p:sldLayout xmlns:a="http://schemas.openxmlformats.org/drawingml/2006/main" xmlns:r="http://schemas.openxmlformats.org/officeDocument/2006/relationships" xmlns:p="http://schemas.openxmlformats.org/presentationml/2006/main" type="title" preserve="1">
   <p:cSld name="Title Slide">
@@ -18697,7 +20089,7 @@
           <a:p>
             <a:fld id="{5BCAD085-E8A6-8845-BD4E-CB4CCA059FC4}" type="datetimeFigureOut">
               <a:rPr lang="en-US" smtClean="0"/>
-              <a:t>7/18/25</a:t>
+              <a:t>7/19/25</a:t>
             </a:fld>
             <a:endParaRPr lang="en-US"/>
           </a:p>
@@ -18865,7 +20257,7 @@
           <a:p>
             <a:fld id="{5BCAD085-E8A6-8845-BD4E-CB4CCA059FC4}" type="datetimeFigureOut">
               <a:rPr lang="en-US" smtClean="0"/>
-              <a:t>7/18/25</a:t>
+              <a:t>7/19/25</a:t>
             </a:fld>
             <a:endParaRPr lang="en-US"/>
           </a:p>
@@ -19043,7 +20435,7 @@
           <a:p>
             <a:fld id="{5BCAD085-E8A6-8845-BD4E-CB4CCA059FC4}" type="datetimeFigureOut">
               <a:rPr lang="en-US" smtClean="0"/>
-              <a:t>7/18/25</a:t>
+              <a:t>7/19/25</a:t>
             </a:fld>
             <a:endParaRPr lang="en-US"/>
           </a:p>
@@ -19211,7 +20603,7 @@
           <a:p>
             <a:fld id="{5BCAD085-E8A6-8845-BD4E-CB4CCA059FC4}" type="datetimeFigureOut">
               <a:rPr lang="en-US" smtClean="0"/>
-              <a:t>7/18/25</a:t>
+              <a:t>7/19/25</a:t>
             </a:fld>
             <a:endParaRPr lang="en-US"/>
           </a:p>
@@ -19456,7 +20848,7 @@
           <a:p>
             <a:fld id="{5BCAD085-E8A6-8845-BD4E-CB4CCA059FC4}" type="datetimeFigureOut">
               <a:rPr lang="en-US" smtClean="0"/>
-              <a:t>7/18/25</a:t>
+              <a:t>7/19/25</a:t>
             </a:fld>
             <a:endParaRPr lang="en-US"/>
           </a:p>
@@ -19741,7 +21133,7 @@
           <a:p>
             <a:fld id="{5BCAD085-E8A6-8845-BD4E-CB4CCA059FC4}" type="datetimeFigureOut">
               <a:rPr lang="en-US" smtClean="0"/>
-              <a:t>7/18/25</a:t>
+              <a:t>7/19/25</a:t>
             </a:fld>
             <a:endParaRPr lang="en-US"/>
           </a:p>
@@ -20160,7 +21552,7 @@
           <a:p>
             <a:fld id="{5BCAD085-E8A6-8845-BD4E-CB4CCA059FC4}" type="datetimeFigureOut">
               <a:rPr lang="en-US" smtClean="0"/>
-              <a:t>7/18/25</a:t>
+              <a:t>7/19/25</a:t>
             </a:fld>
             <a:endParaRPr lang="en-US"/>
           </a:p>
@@ -20277,7 +21669,7 @@
           <a:p>
             <a:fld id="{5BCAD085-E8A6-8845-BD4E-CB4CCA059FC4}" type="datetimeFigureOut">
               <a:rPr lang="en-US" smtClean="0"/>
-              <a:t>7/18/25</a:t>
+              <a:t>7/19/25</a:t>
             </a:fld>
             <a:endParaRPr lang="en-US"/>
           </a:p>
@@ -20372,7 +21764,7 @@
           <a:p>
             <a:fld id="{5BCAD085-E8A6-8845-BD4E-CB4CCA059FC4}" type="datetimeFigureOut">
               <a:rPr lang="en-US" smtClean="0"/>
-              <a:t>7/18/25</a:t>
+              <a:t>7/19/25</a:t>
             </a:fld>
             <a:endParaRPr lang="en-US"/>
           </a:p>
@@ -20647,7 +22039,7 @@
           <a:p>
             <a:fld id="{5BCAD085-E8A6-8845-BD4E-CB4CCA059FC4}" type="datetimeFigureOut">
               <a:rPr lang="en-US" smtClean="0"/>
-              <a:t>7/18/25</a:t>
+              <a:t>7/19/25</a:t>
             </a:fld>
             <a:endParaRPr lang="en-US"/>
           </a:p>
@@ -20899,7 +22291,7 @@
           <a:p>
             <a:fld id="{5BCAD085-E8A6-8845-BD4E-CB4CCA059FC4}" type="datetimeFigureOut">
               <a:rPr lang="en-US" smtClean="0"/>
-              <a:t>7/18/25</a:t>
+              <a:t>7/19/25</a:t>
             </a:fld>
             <a:endParaRPr lang="en-US"/>
           </a:p>
@@ -21110,7 +22502,7 @@
           <a:p>
             <a:fld id="{5BCAD085-E8A6-8845-BD4E-CB4CCA059FC4}" type="datetimeFigureOut">
               <a:rPr lang="en-US" smtClean="0"/>
-              <a:t>7/18/25</a:t>
+              <a:t>7/19/25</a:t>
             </a:fld>
             <a:endParaRPr lang="en-US"/>
           </a:p>
@@ -21756,7 +23148,7 @@
         </p:xfrm>
         <a:graphic>
           <a:graphicData uri="http://schemas.openxmlformats.org/drawingml/2006/diagram">
-            <dgm:relIds xmlns:dgm="http://schemas.openxmlformats.org/drawingml/2006/diagram" xmlns:r="http://schemas.openxmlformats.org/officeDocument/2006/relationships" r:dm="rId2" r:lo="rId3" r:qs="rId4" r:cs="rId5"/>
+            <dgm:relIds xmlns:dgm="http://schemas.openxmlformats.org/drawingml/2006/diagram" xmlns:r="http://schemas.openxmlformats.org/officeDocument/2006/relationships" r:dm="rId3" r:lo="rId4" r:qs="rId5" r:cs="rId6"/>
           </a:graphicData>
         </a:graphic>
       </p:graphicFrame>
@@ -22155,7 +23547,7 @@
         </p:xfrm>
         <a:graphic>
           <a:graphicData uri="http://schemas.openxmlformats.org/drawingml/2006/diagram">
-            <dgm:relIds xmlns:dgm="http://schemas.openxmlformats.org/drawingml/2006/diagram" xmlns:r="http://schemas.openxmlformats.org/officeDocument/2006/relationships" r:dm="rId2" r:lo="rId3" r:qs="rId4" r:cs="rId5"/>
+            <dgm:relIds xmlns:dgm="http://schemas.openxmlformats.org/drawingml/2006/diagram" xmlns:r="http://schemas.openxmlformats.org/officeDocument/2006/relationships" r:dm="rId3" r:lo="rId4" r:qs="rId5" r:cs="rId6"/>
           </a:graphicData>
         </a:graphic>
       </p:graphicFrame>
@@ -22870,7 +24262,7 @@
         </p:nvSpPr>
         <p:spPr>
           <a:xfrm>
-            <a:off x="571351" y="2743200"/>
+            <a:off x="455737" y="2324912"/>
             <a:ext cx="3485179" cy="3613149"/>
           </a:xfrm>
         </p:spPr>
@@ -22914,7 +24306,7 @@
           <p:nvPr/>
         </p:nvPicPr>
         <p:blipFill>
-          <a:blip r:embed="rId2"/>
+          <a:blip r:embed="rId3"/>
           <a:srcRect l="20897" r="34553" b="-2"/>
           <a:stretch>
             <a:fillRect/>
@@ -23051,8 +24443,8 @@
         </p:nvSpPr>
         <p:spPr>
           <a:xfrm>
-            <a:off x="614238" y="4230093"/>
-            <a:ext cx="3112935" cy="1800165"/>
+            <a:off x="45720" y="3774464"/>
+            <a:ext cx="4572000" cy="649388"/>
           </a:xfrm>
         </p:spPr>
         <p:txBody>
@@ -23061,9 +24453,9 @@
           </a:bodyPr>
           <a:lstStyle/>
           <a:p>
-            <a:pPr algn="r"/>
+            <a:pPr algn="l"/>
             <a:r>
-              <a:rPr lang="en-AU" sz="3500"/>
+              <a:rPr lang="en-AU" sz="3500" dirty="0"/>
               <a:t>Competitions Over Time</a:t>
             </a:r>
           </a:p>
@@ -23097,7 +24489,7 @@
         </p:blipFill>
         <p:spPr bwMode="auto">
           <a:xfrm>
-            <a:off x="1104634" y="457200"/>
+            <a:off x="1104634" y="378822"/>
             <a:ext cx="6980452" cy="3455325"/>
           </a:xfrm>
           <a:prstGeom prst="rect">
@@ -23115,62 +24507,6 @@
           </a:extLst>
         </p:spPr>
       </p:pic>
-      <p:sp>
-        <p:nvSpPr>
-          <p:cNvPr id="3" name="Content Placeholder 2"/>
-          <p:cNvSpPr>
-            <a:spLocks noGrp="1"/>
-          </p:cNvSpPr>
-          <p:nvPr>
-            <p:ph idx="1"/>
-          </p:nvPr>
-        </p:nvSpPr>
-        <p:spPr>
-          <a:xfrm>
-            <a:off x="3934811" y="4230094"/>
-            <a:ext cx="4676451" cy="1800164"/>
-          </a:xfrm>
-        </p:spPr>
-        <p:txBody>
-          <a:bodyPr anchor="t">
-            <a:normAutofit/>
-          </a:bodyPr>
-          <a:lstStyle/>
-          <a:p>
-            <a:pPr>
-              <a:lnSpc>
-                <a:spcPct val="90000"/>
-              </a:lnSpc>
-            </a:pPr>
-            <a:r>
-              <a:rPr lang="en-AU" sz="1600" dirty="0"/>
-              <a:t>Number of competitions steadily increased year over year.</a:t>
-            </a:r>
-          </a:p>
-          <a:p>
-            <a:pPr>
-              <a:lnSpc>
-                <a:spcPct val="90000"/>
-              </a:lnSpc>
-            </a:pPr>
-            <a:r>
-              <a:rPr lang="en-AU" sz="1600" dirty="0"/>
-              <a:t>Sharp rise post-2015 with major sponsors and public sector entries.</a:t>
-            </a:r>
-          </a:p>
-          <a:p>
-            <a:pPr>
-              <a:lnSpc>
-                <a:spcPct val="90000"/>
-              </a:lnSpc>
-            </a:pPr>
-            <a:r>
-              <a:rPr lang="en-AU" sz="1600" dirty="0"/>
-              <a:t>Trends align with growing access to machine learning and data.</a:t>
-            </a:r>
-          </a:p>
-        </p:txBody>
-      </p:sp>
       <p:sp>
         <p:nvSpPr>
           <p:cNvPr id="1033" name="Rectangle 1032">
@@ -23317,6 +24653,86 @@
           </a:p>
         </p:txBody>
       </p:sp>
+      <p:sp>
+        <p:nvSpPr>
+          <p:cNvPr id="5" name="TextBox 4">
+            <a:extLst>
+              <a:ext uri="{FF2B5EF4-FFF2-40B4-BE49-F238E27FC236}">
+                <a16:creationId xmlns:a16="http://schemas.microsoft.com/office/drawing/2014/main" id="{21ECA4F7-C520-D960-34ED-5009C4B283E7}"/>
+              </a:ext>
+            </a:extLst>
+          </p:cNvPr>
+          <p:cNvSpPr txBox="1"/>
+          <p:nvPr/>
+        </p:nvSpPr>
+        <p:spPr>
+          <a:xfrm>
+            <a:off x="-39188" y="4538121"/>
+            <a:ext cx="9241671" cy="1815882"/>
+          </a:xfrm>
+          <a:prstGeom prst="rect">
+            <a:avLst/>
+          </a:prstGeom>
+          <a:noFill/>
+        </p:spPr>
+        <p:txBody>
+          <a:bodyPr wrap="square">
+            <a:spAutoFit/>
+          </a:bodyPr>
+          <a:lstStyle/>
+          <a:p>
+            <a:pPr>
+              <a:buNone/>
+            </a:pPr>
+            <a:r>
+              <a:rPr lang="en-AU" sz="1600" b="1" dirty="0"/>
+              <a:t>Analysis</a:t>
+            </a:r>
+            <a:r>
+              <a:rPr lang="en-AU" sz="1600" dirty="0"/>
+              <a:t>: The chart suggests a steady increase in the number of submission over time, peaking in recent years. A sharp-rise post 2015 with major sponsors and public sector entries.</a:t>
+            </a:r>
+          </a:p>
+          <a:p>
+            <a:pPr>
+              <a:buNone/>
+            </a:pPr>
+            <a:endParaRPr lang="en-AU" sz="1600" dirty="0"/>
+          </a:p>
+          <a:p>
+            <a:pPr>
+              <a:buNone/>
+            </a:pPr>
+            <a:r>
+              <a:rPr lang="en-AU" sz="1600" b="1" dirty="0"/>
+              <a:t>Interpretation</a:t>
+            </a:r>
+            <a:r>
+              <a:rPr lang="en-AU" sz="1600" dirty="0"/>
+              <a:t>: Indicates growing industry and academic reliance on Kaggle as a problem-solving and benchmarking platform.</a:t>
+            </a:r>
+          </a:p>
+          <a:p>
+            <a:pPr>
+              <a:buNone/>
+            </a:pPr>
+            <a:endParaRPr lang="en-AU" sz="1600" dirty="0"/>
+          </a:p>
+          <a:p>
+            <a:pPr>
+              <a:buNone/>
+            </a:pPr>
+            <a:r>
+              <a:rPr lang="en-AU" sz="1600" b="1" dirty="0"/>
+              <a:t>Trend</a:t>
+            </a:r>
+            <a:r>
+              <a:rPr lang="en-AU" sz="1600" dirty="0"/>
+              <a:t>: Increasing diversity of problems tackled which align with growing access to machine learning and data.</a:t>
+            </a:r>
+          </a:p>
+        </p:txBody>
+      </p:sp>
     </p:spTree>
   </p:cSld>
   <p:clrMapOvr>
@@ -23362,8 +24778,8 @@
         </p:nvSpPr>
         <p:spPr>
           <a:xfrm>
-            <a:off x="360759" y="3752849"/>
-            <a:ext cx="2468166" cy="2452687"/>
+            <a:off x="0" y="3841243"/>
+            <a:ext cx="5478338" cy="923654"/>
           </a:xfrm>
         </p:spPr>
         <p:txBody>
@@ -23373,7 +24789,7 @@
           <a:lstStyle/>
           <a:p>
             <a:r>
-              <a:rPr lang="en-AU" sz="3100"/>
+              <a:rPr lang="en-AU" sz="3100" dirty="0"/>
               <a:t>Popular Competition Themes</a:t>
             </a:r>
           </a:p>
@@ -23457,41 +24873,85 @@
       </p:pic>
       <p:sp>
         <p:nvSpPr>
-          <p:cNvPr id="3" name="Content Placeholder 2"/>
-          <p:cNvSpPr>
-            <a:spLocks noGrp="1"/>
-          </p:cNvSpPr>
-          <p:nvPr>
-            <p:ph idx="1"/>
-          </p:nvPr>
+          <p:cNvPr id="5" name="TextBox 4">
+            <a:extLst>
+              <a:ext uri="{FF2B5EF4-FFF2-40B4-BE49-F238E27FC236}">
+                <a16:creationId xmlns:a16="http://schemas.microsoft.com/office/drawing/2014/main" id="{7B5E02B0-59BD-7E4C-50B4-C32B0B0E6D72}"/>
+              </a:ext>
+            </a:extLst>
+          </p:cNvPr>
+          <p:cNvSpPr txBox="1"/>
+          <p:nvPr/>
         </p:nvSpPr>
         <p:spPr>
           <a:xfrm>
-            <a:off x="3169181" y="4188207"/>
-            <a:ext cx="5614060" cy="2017329"/>
+            <a:off x="195944" y="4959837"/>
+            <a:ext cx="8948056" cy="1323439"/>
           </a:xfrm>
+          <a:prstGeom prst="rect">
+            <a:avLst/>
+          </a:prstGeom>
+          <a:noFill/>
         </p:spPr>
         <p:txBody>
-          <a:bodyPr anchor="ctr">
-            <a:normAutofit/>
+          <a:bodyPr wrap="square">
+            <a:spAutoFit/>
           </a:bodyPr>
           <a:lstStyle/>
           <a:p>
+            <a:pPr algn="just">
+              <a:buFont typeface="Arial" panose="020B0604020202020204" pitchFamily="34" charset="0"/>
+              <a:buChar char="•"/>
+            </a:pPr>
+            <a:r>
+              <a:rPr lang="en-AU" sz="1600" b="1" dirty="0"/>
+              <a:t>Top Themes</a:t>
+            </a:r>
             <a:r>
               <a:rPr lang="en-AU" sz="1600" dirty="0"/>
-              <a:t>Dominant tags: tabular, image, multiclass classification.</a:t>
+              <a:t>: Tabular data, tabular, image, and  multiclass classification challenges dominate.</a:t>
             </a:r>
           </a:p>
           <a:p>
+            <a:pPr algn="just">
+              <a:buFont typeface="Arial" panose="020B0604020202020204" pitchFamily="34" charset="0"/>
+              <a:buChar char="•"/>
+            </a:pPr>
+            <a:endParaRPr lang="en-AU" sz="1600" dirty="0"/>
+          </a:p>
+          <a:p>
+            <a:pPr algn="just">
+              <a:buFont typeface="Arial" panose="020B0604020202020204" pitchFamily="34" charset="0"/>
+              <a:buChar char="•"/>
+            </a:pPr>
+            <a:r>
+              <a:rPr lang="en-AU" sz="1600" b="1" dirty="0"/>
+              <a:t>Trend</a:t>
+            </a:r>
             <a:r>
               <a:rPr lang="en-AU" sz="1600" dirty="0"/>
-              <a:t>Computer Vision leads in frequency and participation.</a:t>
+              <a:t>: Shift toward domain-specific and high-impact areas.</a:t>
             </a:r>
           </a:p>
           <a:p>
+            <a:pPr algn="just">
+              <a:buFont typeface="Arial" panose="020B0604020202020204" pitchFamily="34" charset="0"/>
+              <a:buChar char="•"/>
+            </a:pPr>
+            <a:endParaRPr lang="en-AU" sz="1600" dirty="0"/>
+          </a:p>
+          <a:p>
+            <a:pPr algn="just">
+              <a:buFont typeface="Arial" panose="020B0604020202020204" pitchFamily="34" charset="0"/>
+              <a:buChar char="•"/>
+            </a:pPr>
+            <a:r>
+              <a:rPr lang="en-AU" sz="1600" b="1" dirty="0"/>
+              <a:t>Implication</a:t>
+            </a:r>
             <a:r>
               <a:rPr lang="en-AU" sz="1600" dirty="0"/>
-              <a:t>NLP gaining momentum with transformers and LLMs.</a:t>
+              <a:t>: Reflects Kaggle’s role in applied AI and the public interest in solving real-world problems.</a:t>
             </a:r>
           </a:p>
         </p:txBody>
@@ -23983,7 +25443,7 @@
           <p:nvPr/>
         </p:nvPicPr>
         <p:blipFill>
-          <a:blip r:embed="rId2">
+          <a:blip r:embed="rId3">
             <a:extLst>
               <a:ext uri="{28A0092B-C50C-407E-A947-70E740481C1C}">
                 <a14:useLocalDpi xmlns:a14="http://schemas.microsoft.com/office/drawing/2010/main" val="0"/>
@@ -24100,7 +25560,7 @@
           <p:nvPr/>
         </p:nvPicPr>
         <p:blipFill>
-          <a:blip r:embed="rId3"/>
+          <a:blip r:embed="rId4"/>
           <a:srcRect t="3352" r="3" b="2235"/>
           <a:stretch>
             <a:fillRect/>
@@ -24143,7 +25603,7 @@
         </p:xfrm>
         <a:graphic>
           <a:graphicData uri="http://schemas.openxmlformats.org/drawingml/2006/diagram">
-            <dgm:relIds xmlns:dgm="http://schemas.openxmlformats.org/drawingml/2006/diagram" xmlns:r="http://schemas.openxmlformats.org/officeDocument/2006/relationships" r:dm="rId4" r:lo="rId5" r:qs="rId6" r:cs="rId7"/>
+            <dgm:relIds xmlns:dgm="http://schemas.openxmlformats.org/drawingml/2006/diagram" xmlns:r="http://schemas.openxmlformats.org/officeDocument/2006/relationships" r:dm="rId5" r:lo="rId6" r:qs="rId7" r:cs="rId8"/>
           </a:graphicData>
         </a:graphic>
       </p:graphicFrame>
@@ -24263,7 +25723,7 @@
           <a:lstStyle/>
           <a:p>
             <a:r>
-              <a:rPr lang="en-AU" sz="4200"/>
+              <a:rPr lang="en-AU" sz="4200" dirty="0"/>
               <a:t>Incentives and Submissions</a:t>
             </a:r>
           </a:p>
@@ -24414,8 +25874,8 @@
         </p:nvSpPr>
         <p:spPr>
           <a:xfrm>
-            <a:off x="182839" y="2608037"/>
-            <a:ext cx="3398174" cy="2874496"/>
+            <a:off x="-53423" y="2203080"/>
+            <a:ext cx="3581013" cy="4168110"/>
           </a:xfrm>
         </p:spPr>
         <p:txBody>
@@ -24435,6 +25895,35 @@
               <a:t>Submission spikes occur near deadlines.</a:t>
             </a:r>
           </a:p>
+          <a:p>
+            <a:endParaRPr lang="en-AU" sz="1700" dirty="0"/>
+          </a:p>
+          <a:p>
+            <a:r>
+              <a:rPr lang="en-AU" sz="1800" b="1" dirty="0"/>
+              <a:t>Insight</a:t>
+            </a:r>
+            <a:r>
+              <a:rPr lang="en-AU" sz="1800" dirty="0"/>
+              <a:t>: Educational value and community recognition are powerful motivators beyond monetary rewards.</a:t>
+            </a:r>
+          </a:p>
+          <a:p>
+            <a:endParaRPr lang="en-AU" sz="1800" dirty="0"/>
+          </a:p>
+          <a:p>
+            <a:r>
+              <a:rPr lang="en-AU" sz="1800" b="1" dirty="0"/>
+              <a:t>Trend</a:t>
+            </a:r>
+            <a:r>
+              <a:rPr lang="en-AU" sz="1800" dirty="0"/>
+              <a:t>: Shift from prize-seeking to skill-building and portfolio development.</a:t>
+            </a:r>
+          </a:p>
+          <a:p>
+            <a:endParaRPr lang="en-AU" sz="1700" dirty="0"/>
+          </a:p>
         </p:txBody>
       </p:sp>
       <p:pic>
@@ -24452,7 +25941,7 @@
           <p:nvPr/>
         </p:nvPicPr>
         <p:blipFill>
-          <a:blip r:embed="rId2">
+          <a:blip r:embed="rId3">
             <a:extLst>
               <a:ext uri="{28A0092B-C50C-407E-A947-70E740481C1C}">
                 <a14:useLocalDpi xmlns:a14="http://schemas.microsoft.com/office/drawing/2010/main" val="0"/>
@@ -25363,7 +26852,7 @@
         <p:spPr>
           <a:xfrm>
             <a:off x="480060" y="2706624"/>
-            <a:ext cx="5170932" cy="3483864"/>
+            <a:ext cx="5170932" cy="4151376"/>
           </a:xfrm>
         </p:spPr>
         <p:txBody>
@@ -25373,27 +26862,51 @@
           <a:lstStyle/>
           <a:p>
             <a:r>
-              <a:rPr lang="en-AU" sz="1900"/>
+              <a:rPr lang="en-AU" sz="1900" dirty="0"/>
               <a:t>Continued growth in participation and competition types.</a:t>
             </a:r>
           </a:p>
           <a:p>
             <a:r>
-              <a:rPr lang="en-AU" sz="1900"/>
+              <a:rPr lang="en-AU" sz="1900" dirty="0"/>
               <a:t>LLM integration in kernels and tutorials to accelerate.</a:t>
             </a:r>
           </a:p>
           <a:p>
             <a:r>
-              <a:rPr lang="en-AU" sz="1900"/>
+              <a:rPr lang="en-AU" sz="1900" dirty="0"/>
               <a:t>Rise of micro-competitions with fast turnarounds.</a:t>
             </a:r>
           </a:p>
           <a:p>
             <a:r>
-              <a:rPr lang="en-AU" sz="1900"/>
+              <a:rPr lang="en-AU" sz="1900" dirty="0"/>
               <a:t>Multilingual support and regional hackathons expanding.</a:t>
             </a:r>
+          </a:p>
+          <a:p>
+            <a:endParaRPr lang="en-AU" sz="1900" dirty="0"/>
+          </a:p>
+          <a:p>
+            <a:r>
+              <a:rPr lang="en-AU" sz="2000" b="1" dirty="0"/>
+              <a:t>Emerging Focus</a:t>
+            </a:r>
+            <a:r>
+              <a:rPr lang="en-AU" sz="2000" dirty="0"/>
+              <a:t>: Notebook-</a:t>
+            </a:r>
+            <a:r>
+              <a:rPr lang="en-AU" sz="2000" dirty="0" err="1"/>
+              <a:t>centered</a:t>
+            </a:r>
+            <a:r>
+              <a:rPr lang="en-AU" sz="2000" dirty="0"/>
+              <a:t> competitions and model performance audits.</a:t>
+            </a:r>
+          </a:p>
+          <a:p>
+            <a:endParaRPr lang="en-AU" sz="1900" dirty="0"/>
           </a:p>
         </p:txBody>
       </p:sp>
@@ -25873,7 +27386,7 @@
             <p:ph idx="1"/>
             <p:extLst>
               <p:ext uri="{D42A27DB-BD31-4B8C-83A1-F6EECF244321}">
-                <p14:modId xmlns:p14="http://schemas.microsoft.com/office/powerpoint/2010/main" val="4053386346"/>
+                <p14:modId xmlns:p14="http://schemas.microsoft.com/office/powerpoint/2010/main" val="1013176130"/>
               </p:ext>
             </p:extLst>
           </p:nvPr>
@@ -25884,7 +27397,7 @@
         </p:xfrm>
         <a:graphic>
           <a:graphicData uri="http://schemas.openxmlformats.org/drawingml/2006/diagram">
-            <dgm:relIds xmlns:dgm="http://schemas.openxmlformats.org/drawingml/2006/diagram" xmlns:r="http://schemas.openxmlformats.org/officeDocument/2006/relationships" r:dm="rId2" r:lo="rId3" r:qs="rId4" r:cs="rId5"/>
+            <dgm:relIds xmlns:dgm="http://schemas.openxmlformats.org/drawingml/2006/diagram" xmlns:r="http://schemas.openxmlformats.org/officeDocument/2006/relationships" r:dm="rId3" r:lo="rId4" r:qs="rId5" r:cs="rId6"/>
           </a:graphicData>
         </a:graphic>
       </p:graphicFrame>
@@ -26214,4 +27727,319 @@
   </a:objectDefaults>
   <a:extraClrSchemeLst/>
 </a:theme>
+</file>
+
+<file path=ppt/theme/theme2.xml><?xml version="1.0" encoding="utf-8"?>
+<a:theme xmlns:a="http://schemas.openxmlformats.org/drawingml/2006/main" name="Office Theme">
+  <a:themeElements>
+    <a:clrScheme name="Office">
+      <a:dk1>
+        <a:sysClr val="windowText" lastClr="000000"/>
+      </a:dk1>
+      <a:lt1>
+        <a:sysClr val="window" lastClr="FFFFFF"/>
+      </a:lt1>
+      <a:dk2>
+        <a:srgbClr val="0E2841"/>
+      </a:dk2>
+      <a:lt2>
+        <a:srgbClr val="E8E8E8"/>
+      </a:lt2>
+      <a:accent1>
+        <a:srgbClr val="156082"/>
+      </a:accent1>
+      <a:accent2>
+        <a:srgbClr val="E97132"/>
+      </a:accent2>
+      <a:accent3>
+        <a:srgbClr val="196B24"/>
+      </a:accent3>
+      <a:accent4>
+        <a:srgbClr val="0F9ED5"/>
+      </a:accent4>
+      <a:accent5>
+        <a:srgbClr val="A02B93"/>
+      </a:accent5>
+      <a:accent6>
+        <a:srgbClr val="4EA72E"/>
+      </a:accent6>
+      <a:hlink>
+        <a:srgbClr val="467886"/>
+      </a:hlink>
+      <a:folHlink>
+        <a:srgbClr val="96607D"/>
+      </a:folHlink>
+    </a:clrScheme>
+    <a:fontScheme name="Office">
+      <a:majorFont>
+        <a:latin typeface="Aptos Display" panose="02110004020202020204"/>
+        <a:ea typeface=""/>
+        <a:cs typeface=""/>
+        <a:font script="Jpan" typeface="游ゴシック Light"/>
+        <a:font script="Hang" typeface="맑은 고딕"/>
+        <a:font script="Hans" typeface="等线 Light"/>
+        <a:font script="Hant" typeface="新細明體"/>
+        <a:font script="Arab" typeface="Times New Roman"/>
+        <a:font script="Hebr" typeface="Times New Roman"/>
+        <a:font script="Thai" typeface="Angsana New"/>
+        <a:font script="Ethi" typeface="Nyala"/>
+        <a:font script="Beng" typeface="Vrinda"/>
+        <a:font script="Gujr" typeface="Shruti"/>
+        <a:font script="Khmr" typeface="MoolBoran"/>
+        <a:font script="Knda" typeface="Tunga"/>
+        <a:font script="Guru" typeface="Raavi"/>
+        <a:font script="Cans" typeface="Euphemia"/>
+        <a:font script="Cher" typeface="Plantagenet Cherokee"/>
+        <a:font script="Yiii" typeface="Microsoft Yi Baiti"/>
+        <a:font script="Tibt" typeface="Microsoft Himalaya"/>
+        <a:font script="Thaa" typeface="MV Boli"/>
+        <a:font script="Deva" typeface="Mangal"/>
+        <a:font script="Telu" typeface="Gautami"/>
+        <a:font script="Taml" typeface="Latha"/>
+        <a:font script="Syrc" typeface="Estrangelo Edessa"/>
+        <a:font script="Orya" typeface="Kalinga"/>
+        <a:font script="Mlym" typeface="Kartika"/>
+        <a:font script="Laoo" typeface="DokChampa"/>
+        <a:font script="Sinh" typeface="Iskoola Pota"/>
+        <a:font script="Mong" typeface="Mongolian Baiti"/>
+        <a:font script="Viet" typeface="Times New Roman"/>
+        <a:font script="Uigh" typeface="Microsoft Uighur"/>
+        <a:font script="Geor" typeface="Sylfaen"/>
+        <a:font script="Armn" typeface="Arial"/>
+        <a:font script="Bugi" typeface="Leelawadee UI"/>
+        <a:font script="Bopo" typeface="Microsoft JhengHei"/>
+        <a:font script="Java" typeface="Javanese Text"/>
+        <a:font script="Lisu" typeface="Segoe UI"/>
+        <a:font script="Mymr" typeface="Myanmar Text"/>
+        <a:font script="Nkoo" typeface="Ebrima"/>
+        <a:font script="Olck" typeface="Nirmala UI"/>
+        <a:font script="Osma" typeface="Ebrima"/>
+        <a:font script="Phag" typeface="Phagspa"/>
+        <a:font script="Syrn" typeface="Estrangelo Edessa"/>
+        <a:font script="Syrj" typeface="Estrangelo Edessa"/>
+        <a:font script="Syre" typeface="Estrangelo Edessa"/>
+        <a:font script="Sora" typeface="Nirmala UI"/>
+        <a:font script="Tale" typeface="Microsoft Tai Le"/>
+        <a:font script="Talu" typeface="Microsoft New Tai Lue"/>
+        <a:font script="Tfng" typeface="Ebrima"/>
+      </a:majorFont>
+      <a:minorFont>
+        <a:latin typeface="Aptos" panose="02110004020202020204"/>
+        <a:ea typeface=""/>
+        <a:cs typeface=""/>
+        <a:font script="Jpan" typeface="游ゴシック"/>
+        <a:font script="Hang" typeface="맑은 고딕"/>
+        <a:font script="Hans" typeface="等线"/>
+        <a:font script="Hant" typeface="新細明體"/>
+        <a:font script="Arab" typeface="Arial"/>
+        <a:font script="Hebr" typeface="Arial"/>
+        <a:font script="Thai" typeface="Cordia New"/>
+        <a:font script="Ethi" typeface="Nyala"/>
+        <a:font script="Beng" typeface="Vrinda"/>
+        <a:font script="Gujr" typeface="Shruti"/>
+        <a:font script="Khmr" typeface="DaunPenh"/>
+        <a:font script="Knda" typeface="Tunga"/>
+        <a:font script="Guru" typeface="Raavi"/>
+        <a:font script="Cans" typeface="Euphemia"/>
+        <a:font script="Cher" typeface="Plantagenet Cherokee"/>
+        <a:font script="Yiii" typeface="Microsoft Yi Baiti"/>
+        <a:font script="Tibt" typeface="Microsoft Himalaya"/>
+        <a:font script="Thaa" typeface="MV Boli"/>
+        <a:font script="Deva" typeface="Mangal"/>
+        <a:font script="Telu" typeface="Gautami"/>
+        <a:font script="Taml" typeface="Latha"/>
+        <a:font script="Syrc" typeface="Estrangelo Edessa"/>
+        <a:font script="Orya" typeface="Kalinga"/>
+        <a:font script="Mlym" typeface="Kartika"/>
+        <a:font script="Laoo" typeface="DokChampa"/>
+        <a:font script="Sinh" typeface="Iskoola Pota"/>
+        <a:font script="Mong" typeface="Mongolian Baiti"/>
+        <a:font script="Viet" typeface="Arial"/>
+        <a:font script="Uigh" typeface="Microsoft Uighur"/>
+        <a:font script="Geor" typeface="Sylfaen"/>
+        <a:font script="Armn" typeface="Arial"/>
+        <a:font script="Bugi" typeface="Leelawadee UI"/>
+        <a:font script="Bopo" typeface="Microsoft JhengHei"/>
+        <a:font script="Java" typeface="Javanese Text"/>
+        <a:font script="Lisu" typeface="Segoe UI"/>
+        <a:font script="Mymr" typeface="Myanmar Text"/>
+        <a:font script="Nkoo" typeface="Ebrima"/>
+        <a:font script="Olck" typeface="Nirmala UI"/>
+        <a:font script="Osma" typeface="Ebrima"/>
+        <a:font script="Phag" typeface="Phagspa"/>
+        <a:font script="Syrn" typeface="Estrangelo Edessa"/>
+        <a:font script="Syrj" typeface="Estrangelo Edessa"/>
+        <a:font script="Syre" typeface="Estrangelo Edessa"/>
+        <a:font script="Sora" typeface="Nirmala UI"/>
+        <a:font script="Tale" typeface="Microsoft Tai Le"/>
+        <a:font script="Talu" typeface="Microsoft New Tai Lue"/>
+        <a:font script="Tfng" typeface="Ebrima"/>
+      </a:minorFont>
+    </a:fontScheme>
+    <a:fmtScheme name="Office">
+      <a:fillStyleLst>
+        <a:solidFill>
+          <a:schemeClr val="phClr"/>
+        </a:solidFill>
+        <a:gradFill rotWithShape="1">
+          <a:gsLst>
+            <a:gs pos="0">
+              <a:schemeClr val="phClr">
+                <a:lumMod val="110000"/>
+                <a:satMod val="105000"/>
+                <a:tint val="67000"/>
+              </a:schemeClr>
+            </a:gs>
+            <a:gs pos="50000">
+              <a:schemeClr val="phClr">
+                <a:lumMod val="105000"/>
+                <a:satMod val="103000"/>
+                <a:tint val="73000"/>
+              </a:schemeClr>
+            </a:gs>
+            <a:gs pos="100000">
+              <a:schemeClr val="phClr">
+                <a:lumMod val="105000"/>
+                <a:satMod val="109000"/>
+                <a:tint val="81000"/>
+              </a:schemeClr>
+            </a:gs>
+          </a:gsLst>
+          <a:lin ang="5400000" scaled="0"/>
+        </a:gradFill>
+        <a:gradFill rotWithShape="1">
+          <a:gsLst>
+            <a:gs pos="0">
+              <a:schemeClr val="phClr">
+                <a:satMod val="103000"/>
+                <a:lumMod val="102000"/>
+                <a:tint val="94000"/>
+              </a:schemeClr>
+            </a:gs>
+            <a:gs pos="50000">
+              <a:schemeClr val="phClr">
+                <a:satMod val="110000"/>
+                <a:lumMod val="100000"/>
+                <a:shade val="100000"/>
+              </a:schemeClr>
+            </a:gs>
+            <a:gs pos="100000">
+              <a:schemeClr val="phClr">
+                <a:lumMod val="99000"/>
+                <a:satMod val="120000"/>
+                <a:shade val="78000"/>
+              </a:schemeClr>
+            </a:gs>
+          </a:gsLst>
+          <a:lin ang="5400000" scaled="0"/>
+        </a:gradFill>
+      </a:fillStyleLst>
+      <a:lnStyleLst>
+        <a:ln w="12700" cap="flat" cmpd="sng" algn="ctr">
+          <a:solidFill>
+            <a:schemeClr val="phClr"/>
+          </a:solidFill>
+          <a:prstDash val="solid"/>
+          <a:miter lim="800000"/>
+        </a:ln>
+        <a:ln w="19050" cap="flat" cmpd="sng" algn="ctr">
+          <a:solidFill>
+            <a:schemeClr val="phClr"/>
+          </a:solidFill>
+          <a:prstDash val="solid"/>
+          <a:miter lim="800000"/>
+        </a:ln>
+        <a:ln w="25400" cap="flat" cmpd="sng" algn="ctr">
+          <a:solidFill>
+            <a:schemeClr val="phClr"/>
+          </a:solidFill>
+          <a:prstDash val="solid"/>
+          <a:miter lim="800000"/>
+        </a:ln>
+      </a:lnStyleLst>
+      <a:effectStyleLst>
+        <a:effectStyle>
+          <a:effectLst/>
+        </a:effectStyle>
+        <a:effectStyle>
+          <a:effectLst/>
+        </a:effectStyle>
+        <a:effectStyle>
+          <a:effectLst>
+            <a:outerShdw blurRad="57150" dist="19050" dir="5400000" algn="ctr" rotWithShape="0">
+              <a:srgbClr val="000000">
+                <a:alpha val="63000"/>
+              </a:srgbClr>
+            </a:outerShdw>
+          </a:effectLst>
+        </a:effectStyle>
+      </a:effectStyleLst>
+      <a:bgFillStyleLst>
+        <a:solidFill>
+          <a:schemeClr val="phClr"/>
+        </a:solidFill>
+        <a:solidFill>
+          <a:schemeClr val="phClr">
+            <a:tint val="95000"/>
+            <a:satMod val="170000"/>
+          </a:schemeClr>
+        </a:solidFill>
+        <a:gradFill rotWithShape="1">
+          <a:gsLst>
+            <a:gs pos="0">
+              <a:schemeClr val="phClr">
+                <a:tint val="93000"/>
+                <a:satMod val="150000"/>
+                <a:shade val="98000"/>
+                <a:lumMod val="102000"/>
+              </a:schemeClr>
+            </a:gs>
+            <a:gs pos="50000">
+              <a:schemeClr val="phClr">
+                <a:tint val="98000"/>
+                <a:satMod val="130000"/>
+                <a:shade val="90000"/>
+                <a:lumMod val="103000"/>
+              </a:schemeClr>
+            </a:gs>
+            <a:gs pos="100000">
+              <a:schemeClr val="phClr">
+                <a:shade val="63000"/>
+                <a:satMod val="120000"/>
+              </a:schemeClr>
+            </a:gs>
+          </a:gsLst>
+          <a:lin ang="5400000" scaled="0"/>
+        </a:gradFill>
+      </a:bgFillStyleLst>
+    </a:fmtScheme>
+  </a:themeElements>
+  <a:objectDefaults>
+    <a:lnDef>
+      <a:spPr/>
+      <a:bodyPr/>
+      <a:lstStyle/>
+      <a:style>
+        <a:lnRef idx="2">
+          <a:schemeClr val="accent1"/>
+        </a:lnRef>
+        <a:fillRef idx="0">
+          <a:schemeClr val="accent1"/>
+        </a:fillRef>
+        <a:effectRef idx="1">
+          <a:schemeClr val="accent1"/>
+        </a:effectRef>
+        <a:fontRef idx="minor">
+          <a:schemeClr val="tx1"/>
+        </a:fontRef>
+      </a:style>
+    </a:lnDef>
+  </a:objectDefaults>
+  <a:extraClrSchemeLst/>
+  <a:extLst>
+    <a:ext uri="{05A4C25C-085E-4340-85A3-A5531E510DB2}">
+      <thm15:themeFamily xmlns:thm15="http://schemas.microsoft.com/office/thememl/2012/main" name="Office Theme" id="{2E142A2C-CD16-42D6-873A-C26D2A0506FA}" vid="{1BDDFF52-6CD6-40A5-AB3C-68EB2F1E4D0A}"/>
+    </a:ext>
+  </a:extLst>
+</a:theme>
 </file>